--- a/01 - Microservices/01.1.pptx
+++ b/01 - Microservices/01.1.pptx
@@ -6,6 +6,8 @@
   </p:sldMasterIdLst>
   <p:sldIdLst>
     <p:sldId id="259" r:id="rId2"/>
+    <p:sldId id="260" r:id="rId3"/>
+    <p:sldId id="261" r:id="rId4"/>
   </p:sldIdLst>
   <p:sldSz cx="12192000" cy="6858000"/>
   <p:notesSz cx="6858000" cy="9144000"/>
@@ -3731,10 +3733,5472 @@
           <a:chExt cx="0" cy="0"/>
         </a:xfrm>
       </p:grpSpPr>
+      <p:sp>
+        <p:nvSpPr>
+          <p:cNvPr id="2" name="Rectangle: Rounded Corners 1">
+            <a:extLst>
+              <a:ext uri="{FF2B5EF4-FFF2-40B4-BE49-F238E27FC236}">
+                <a16:creationId xmlns:a16="http://schemas.microsoft.com/office/drawing/2014/main" id="{179E4BBB-B53A-0D9F-6E66-EFFE93BA6B01}"/>
+              </a:ext>
+            </a:extLst>
+          </p:cNvPr>
+          <p:cNvSpPr/>
+          <p:nvPr/>
+        </p:nvSpPr>
+        <p:spPr>
+          <a:xfrm>
+            <a:off x="704088" y="832104"/>
+            <a:ext cx="2304288" cy="3950208"/>
+          </a:xfrm>
+          <a:prstGeom prst="roundRect">
+            <a:avLst/>
+          </a:prstGeom>
+          <a:noFill/>
+        </p:spPr>
+        <p:style>
+          <a:lnRef idx="2">
+            <a:schemeClr val="accent1">
+              <a:shade val="50000"/>
+            </a:schemeClr>
+          </a:lnRef>
+          <a:fillRef idx="1">
+            <a:schemeClr val="accent1"/>
+          </a:fillRef>
+          <a:effectRef idx="0">
+            <a:schemeClr val="accent1"/>
+          </a:effectRef>
+          <a:fontRef idx="minor">
+            <a:schemeClr val="lt1"/>
+          </a:fontRef>
+        </p:style>
+        <p:txBody>
+          <a:bodyPr rtlCol="0" anchor="ctr"/>
+          <a:lstStyle/>
+          <a:p>
+            <a:pPr algn="ctr"/>
+            <a:endParaRPr lang="es-419"/>
+          </a:p>
+        </p:txBody>
+      </p:sp>
+      <p:sp>
+        <p:nvSpPr>
+          <p:cNvPr id="3" name="Rectangle: Rounded Corners 2">
+            <a:extLst>
+              <a:ext uri="{FF2B5EF4-FFF2-40B4-BE49-F238E27FC236}">
+                <a16:creationId xmlns:a16="http://schemas.microsoft.com/office/drawing/2014/main" id="{185DCD33-A497-987D-D905-BC63A578D144}"/>
+              </a:ext>
+            </a:extLst>
+          </p:cNvPr>
+          <p:cNvSpPr/>
+          <p:nvPr/>
+        </p:nvSpPr>
+        <p:spPr>
+          <a:xfrm>
+            <a:off x="960120" y="1453896"/>
+            <a:ext cx="1783080" cy="484632"/>
+          </a:xfrm>
+          <a:prstGeom prst="roundRect">
+            <a:avLst/>
+          </a:prstGeom>
+          <a:noFill/>
+        </p:spPr>
+        <p:style>
+          <a:lnRef idx="2">
+            <a:schemeClr val="accent1">
+              <a:shade val="50000"/>
+            </a:schemeClr>
+          </a:lnRef>
+          <a:fillRef idx="1">
+            <a:schemeClr val="accent1"/>
+          </a:fillRef>
+          <a:effectRef idx="0">
+            <a:schemeClr val="accent1"/>
+          </a:effectRef>
+          <a:fontRef idx="minor">
+            <a:schemeClr val="lt1"/>
+          </a:fontRef>
+        </p:style>
+        <p:txBody>
+          <a:bodyPr rtlCol="0" anchor="ctr"/>
+          <a:lstStyle/>
+          <a:p>
+            <a:pPr algn="ctr"/>
+            <a:endParaRPr lang="es-419"/>
+          </a:p>
+        </p:txBody>
+      </p:sp>
+      <p:sp>
+        <p:nvSpPr>
+          <p:cNvPr id="4" name="Rectangle: Rounded Corners 3">
+            <a:extLst>
+              <a:ext uri="{FF2B5EF4-FFF2-40B4-BE49-F238E27FC236}">
+                <a16:creationId xmlns:a16="http://schemas.microsoft.com/office/drawing/2014/main" id="{AB1231A4-0B7A-30C6-968D-181337EC7254}"/>
+              </a:ext>
+            </a:extLst>
+          </p:cNvPr>
+          <p:cNvSpPr/>
+          <p:nvPr/>
+        </p:nvSpPr>
+        <p:spPr>
+          <a:xfrm>
+            <a:off x="960120" y="2075688"/>
+            <a:ext cx="1783080" cy="484632"/>
+          </a:xfrm>
+          <a:prstGeom prst="roundRect">
+            <a:avLst/>
+          </a:prstGeom>
+          <a:noFill/>
+        </p:spPr>
+        <p:style>
+          <a:lnRef idx="2">
+            <a:schemeClr val="accent1">
+              <a:shade val="50000"/>
+            </a:schemeClr>
+          </a:lnRef>
+          <a:fillRef idx="1">
+            <a:schemeClr val="accent1"/>
+          </a:fillRef>
+          <a:effectRef idx="0">
+            <a:schemeClr val="accent1"/>
+          </a:effectRef>
+          <a:fontRef idx="minor">
+            <a:schemeClr val="lt1"/>
+          </a:fontRef>
+        </p:style>
+        <p:txBody>
+          <a:bodyPr rtlCol="0" anchor="ctr"/>
+          <a:lstStyle/>
+          <a:p>
+            <a:pPr algn="ctr"/>
+            <a:endParaRPr lang="es-419"/>
+          </a:p>
+        </p:txBody>
+      </p:sp>
+      <p:sp>
+        <p:nvSpPr>
+          <p:cNvPr id="5" name="Rectangle: Rounded Corners 4">
+            <a:extLst>
+              <a:ext uri="{FF2B5EF4-FFF2-40B4-BE49-F238E27FC236}">
+                <a16:creationId xmlns:a16="http://schemas.microsoft.com/office/drawing/2014/main" id="{6749C3D8-74F5-67E0-ADCF-F97C3692E940}"/>
+              </a:ext>
+            </a:extLst>
+          </p:cNvPr>
+          <p:cNvSpPr/>
+          <p:nvPr/>
+        </p:nvSpPr>
+        <p:spPr>
+          <a:xfrm>
+            <a:off x="960120" y="2697480"/>
+            <a:ext cx="1783080" cy="484632"/>
+          </a:xfrm>
+          <a:prstGeom prst="roundRect">
+            <a:avLst/>
+          </a:prstGeom>
+          <a:noFill/>
+        </p:spPr>
+        <p:style>
+          <a:lnRef idx="2">
+            <a:schemeClr val="accent1">
+              <a:shade val="50000"/>
+            </a:schemeClr>
+          </a:lnRef>
+          <a:fillRef idx="1">
+            <a:schemeClr val="accent1"/>
+          </a:fillRef>
+          <a:effectRef idx="0">
+            <a:schemeClr val="accent1"/>
+          </a:effectRef>
+          <a:fontRef idx="minor">
+            <a:schemeClr val="lt1"/>
+          </a:fontRef>
+        </p:style>
+        <p:txBody>
+          <a:bodyPr rtlCol="0" anchor="ctr"/>
+          <a:lstStyle/>
+          <a:p>
+            <a:pPr algn="ctr"/>
+            <a:endParaRPr lang="es-419"/>
+          </a:p>
+        </p:txBody>
+      </p:sp>
+      <p:sp>
+        <p:nvSpPr>
+          <p:cNvPr id="6" name="Rectangle: Rounded Corners 5">
+            <a:extLst>
+              <a:ext uri="{FF2B5EF4-FFF2-40B4-BE49-F238E27FC236}">
+                <a16:creationId xmlns:a16="http://schemas.microsoft.com/office/drawing/2014/main" id="{11B1C02E-23A4-1BDE-857F-545665968783}"/>
+              </a:ext>
+            </a:extLst>
+          </p:cNvPr>
+          <p:cNvSpPr/>
+          <p:nvPr/>
+        </p:nvSpPr>
+        <p:spPr>
+          <a:xfrm>
+            <a:off x="960120" y="3438144"/>
+            <a:ext cx="1783080" cy="484632"/>
+          </a:xfrm>
+          <a:prstGeom prst="roundRect">
+            <a:avLst/>
+          </a:prstGeom>
+          <a:noFill/>
+        </p:spPr>
+        <p:style>
+          <a:lnRef idx="2">
+            <a:schemeClr val="accent1">
+              <a:shade val="50000"/>
+            </a:schemeClr>
+          </a:lnRef>
+          <a:fillRef idx="1">
+            <a:schemeClr val="accent1"/>
+          </a:fillRef>
+          <a:effectRef idx="0">
+            <a:schemeClr val="accent1"/>
+          </a:effectRef>
+          <a:fontRef idx="minor">
+            <a:schemeClr val="lt1"/>
+          </a:fontRef>
+        </p:style>
+        <p:txBody>
+          <a:bodyPr rtlCol="0" anchor="ctr"/>
+          <a:lstStyle/>
+          <a:p>
+            <a:pPr algn="ctr"/>
+            <a:endParaRPr lang="es-419"/>
+          </a:p>
+        </p:txBody>
+      </p:sp>
+      <p:sp>
+        <p:nvSpPr>
+          <p:cNvPr id="7" name="Cylinder 6">
+            <a:extLst>
+              <a:ext uri="{FF2B5EF4-FFF2-40B4-BE49-F238E27FC236}">
+                <a16:creationId xmlns:a16="http://schemas.microsoft.com/office/drawing/2014/main" id="{C450B18E-C9F7-131D-0872-846076D650E1}"/>
+              </a:ext>
+            </a:extLst>
+          </p:cNvPr>
+          <p:cNvSpPr/>
+          <p:nvPr/>
+        </p:nvSpPr>
+        <p:spPr>
+          <a:xfrm>
+            <a:off x="1170432" y="5212080"/>
+            <a:ext cx="1362456" cy="1060704"/>
+          </a:xfrm>
+          <a:prstGeom prst="can">
+            <a:avLst/>
+          </a:prstGeom>
+          <a:noFill/>
+        </p:spPr>
+        <p:style>
+          <a:lnRef idx="2">
+            <a:schemeClr val="accent1">
+              <a:shade val="50000"/>
+            </a:schemeClr>
+          </a:lnRef>
+          <a:fillRef idx="1">
+            <a:schemeClr val="accent1"/>
+          </a:fillRef>
+          <a:effectRef idx="0">
+            <a:schemeClr val="accent1"/>
+          </a:effectRef>
+          <a:fontRef idx="minor">
+            <a:schemeClr val="lt1"/>
+          </a:fontRef>
+        </p:style>
+        <p:txBody>
+          <a:bodyPr rtlCol="0" anchor="ctr"/>
+          <a:lstStyle/>
+          <a:p>
+            <a:pPr algn="ctr"/>
+            <a:endParaRPr lang="es-419"/>
+          </a:p>
+        </p:txBody>
+      </p:sp>
+      <p:cxnSp>
+        <p:nvCxnSpPr>
+          <p:cNvPr id="8" name="Straight Arrow Connector 7">
+            <a:extLst>
+              <a:ext uri="{FF2B5EF4-FFF2-40B4-BE49-F238E27FC236}">
+                <a16:creationId xmlns:a16="http://schemas.microsoft.com/office/drawing/2014/main" id="{F3D2267D-53EB-C743-B9CE-DC69C968480C}"/>
+              </a:ext>
+            </a:extLst>
+          </p:cNvPr>
+          <p:cNvCxnSpPr>
+            <a:stCxn id="2" idx="2"/>
+            <a:endCxn id="7" idx="1"/>
+          </p:cNvCxnSpPr>
+          <p:nvPr/>
+        </p:nvCxnSpPr>
+        <p:spPr>
+          <a:xfrm flipH="1">
+            <a:off x="1851660" y="4782312"/>
+            <a:ext cx="4572" cy="429768"/>
+          </a:xfrm>
+          <a:prstGeom prst="straightConnector1">
+            <a:avLst/>
+          </a:prstGeom>
+          <a:ln>
+            <a:tailEnd type="triangle"/>
+          </a:ln>
+        </p:spPr>
+        <p:style>
+          <a:lnRef idx="1">
+            <a:schemeClr val="accent1"/>
+          </a:lnRef>
+          <a:fillRef idx="0">
+            <a:schemeClr val="accent1"/>
+          </a:fillRef>
+          <a:effectRef idx="0">
+            <a:schemeClr val="accent1"/>
+          </a:effectRef>
+          <a:fontRef idx="minor">
+            <a:schemeClr val="tx1"/>
+          </a:fontRef>
+        </p:style>
+      </p:cxnSp>
+      <p:cxnSp>
+        <p:nvCxnSpPr>
+          <p:cNvPr id="9" name="Straight Connector 8">
+            <a:extLst>
+              <a:ext uri="{FF2B5EF4-FFF2-40B4-BE49-F238E27FC236}">
+                <a16:creationId xmlns:a16="http://schemas.microsoft.com/office/drawing/2014/main" id="{F79DE77E-7734-409D-9B60-A73191DB03A2}"/>
+              </a:ext>
+            </a:extLst>
+          </p:cNvPr>
+          <p:cNvCxnSpPr>
+            <a:stCxn id="3" idx="2"/>
+            <a:endCxn id="4" idx="0"/>
+          </p:cNvCxnSpPr>
+          <p:nvPr/>
+        </p:nvCxnSpPr>
+        <p:spPr>
+          <a:xfrm>
+            <a:off x="1851660" y="1938528"/>
+            <a:ext cx="0" cy="137160"/>
+          </a:xfrm>
+          <a:prstGeom prst="line">
+            <a:avLst/>
+          </a:prstGeom>
+        </p:spPr>
+        <p:style>
+          <a:lnRef idx="1">
+            <a:schemeClr val="accent1"/>
+          </a:lnRef>
+          <a:fillRef idx="0">
+            <a:schemeClr val="accent1"/>
+          </a:fillRef>
+          <a:effectRef idx="0">
+            <a:schemeClr val="accent1"/>
+          </a:effectRef>
+          <a:fontRef idx="minor">
+            <a:schemeClr val="tx1"/>
+          </a:fontRef>
+        </p:style>
+      </p:cxnSp>
+      <p:cxnSp>
+        <p:nvCxnSpPr>
+          <p:cNvPr id="10" name="Straight Connector 9">
+            <a:extLst>
+              <a:ext uri="{FF2B5EF4-FFF2-40B4-BE49-F238E27FC236}">
+                <a16:creationId xmlns:a16="http://schemas.microsoft.com/office/drawing/2014/main" id="{F1F1868F-F01C-1735-16A1-37242A2CA8E1}"/>
+              </a:ext>
+            </a:extLst>
+          </p:cNvPr>
+          <p:cNvCxnSpPr>
+            <a:stCxn id="4" idx="2"/>
+            <a:endCxn id="5" idx="0"/>
+          </p:cNvCxnSpPr>
+          <p:nvPr/>
+        </p:nvCxnSpPr>
+        <p:spPr>
+          <a:xfrm>
+            <a:off x="1851660" y="2560320"/>
+            <a:ext cx="0" cy="137160"/>
+          </a:xfrm>
+          <a:prstGeom prst="line">
+            <a:avLst/>
+          </a:prstGeom>
+        </p:spPr>
+        <p:style>
+          <a:lnRef idx="1">
+            <a:schemeClr val="accent1"/>
+          </a:lnRef>
+          <a:fillRef idx="0">
+            <a:schemeClr val="accent1"/>
+          </a:fillRef>
+          <a:effectRef idx="0">
+            <a:schemeClr val="accent1"/>
+          </a:effectRef>
+          <a:fontRef idx="minor">
+            <a:schemeClr val="tx1"/>
+          </a:fontRef>
+        </p:style>
+      </p:cxnSp>
+      <p:cxnSp>
+        <p:nvCxnSpPr>
+          <p:cNvPr id="11" name="Straight Connector 10">
+            <a:extLst>
+              <a:ext uri="{FF2B5EF4-FFF2-40B4-BE49-F238E27FC236}">
+                <a16:creationId xmlns:a16="http://schemas.microsoft.com/office/drawing/2014/main" id="{7ACB150F-F988-7071-5731-C9B41A1D0F72}"/>
+              </a:ext>
+            </a:extLst>
+          </p:cNvPr>
+          <p:cNvCxnSpPr>
+            <a:stCxn id="5" idx="2"/>
+            <a:endCxn id="6" idx="0"/>
+          </p:cNvCxnSpPr>
+          <p:nvPr/>
+        </p:nvCxnSpPr>
+        <p:spPr>
+          <a:xfrm>
+            <a:off x="1851660" y="3182112"/>
+            <a:ext cx="0" cy="256032"/>
+          </a:xfrm>
+          <a:prstGeom prst="line">
+            <a:avLst/>
+          </a:prstGeom>
+        </p:spPr>
+        <p:style>
+          <a:lnRef idx="1">
+            <a:schemeClr val="accent1"/>
+          </a:lnRef>
+          <a:fillRef idx="0">
+            <a:schemeClr val="accent1"/>
+          </a:fillRef>
+          <a:effectRef idx="0">
+            <a:schemeClr val="accent1"/>
+          </a:effectRef>
+          <a:fontRef idx="minor">
+            <a:schemeClr val="tx1"/>
+          </a:fontRef>
+        </p:style>
+      </p:cxnSp>
+      <p:cxnSp>
+        <p:nvCxnSpPr>
+          <p:cNvPr id="12" name="Straight Connector 11">
+            <a:extLst>
+              <a:ext uri="{FF2B5EF4-FFF2-40B4-BE49-F238E27FC236}">
+                <a16:creationId xmlns:a16="http://schemas.microsoft.com/office/drawing/2014/main" id="{945EF8B4-AF0E-8EDF-AAEC-B9723436EC2B}"/>
+              </a:ext>
+            </a:extLst>
+          </p:cNvPr>
+          <p:cNvCxnSpPr/>
+          <p:nvPr/>
+        </p:nvCxnSpPr>
+        <p:spPr>
+          <a:xfrm>
+            <a:off x="3163824" y="235843"/>
+            <a:ext cx="0" cy="6163056"/>
+          </a:xfrm>
+          <a:prstGeom prst="line">
+            <a:avLst/>
+          </a:prstGeom>
+        </p:spPr>
+        <p:style>
+          <a:lnRef idx="1">
+            <a:schemeClr val="accent1"/>
+          </a:lnRef>
+          <a:fillRef idx="0">
+            <a:schemeClr val="accent1"/>
+          </a:fillRef>
+          <a:effectRef idx="0">
+            <a:schemeClr val="accent1"/>
+          </a:effectRef>
+          <a:fontRef idx="minor">
+            <a:schemeClr val="tx1"/>
+          </a:fontRef>
+        </p:style>
+      </p:cxnSp>
+      <p:sp>
+        <p:nvSpPr>
+          <p:cNvPr id="13" name="Rectangle: Rounded Corners 12">
+            <a:extLst>
+              <a:ext uri="{FF2B5EF4-FFF2-40B4-BE49-F238E27FC236}">
+                <a16:creationId xmlns:a16="http://schemas.microsoft.com/office/drawing/2014/main" id="{26A5FDD3-CB17-3DE4-9FD6-6123B37F6E10}"/>
+              </a:ext>
+            </a:extLst>
+          </p:cNvPr>
+          <p:cNvSpPr/>
+          <p:nvPr/>
+        </p:nvSpPr>
+        <p:spPr>
+          <a:xfrm>
+            <a:off x="3424428" y="832104"/>
+            <a:ext cx="2304288" cy="1106424"/>
+          </a:xfrm>
+          <a:prstGeom prst="roundRect">
+            <a:avLst/>
+          </a:prstGeom>
+          <a:noFill/>
+        </p:spPr>
+        <p:style>
+          <a:lnRef idx="2">
+            <a:schemeClr val="accent1">
+              <a:shade val="50000"/>
+            </a:schemeClr>
+          </a:lnRef>
+          <a:fillRef idx="1">
+            <a:schemeClr val="accent1"/>
+          </a:fillRef>
+          <a:effectRef idx="0">
+            <a:schemeClr val="accent1"/>
+          </a:effectRef>
+          <a:fontRef idx="minor">
+            <a:schemeClr val="lt1"/>
+          </a:fontRef>
+        </p:style>
+        <p:txBody>
+          <a:bodyPr rtlCol="0" anchor="ctr"/>
+          <a:lstStyle/>
+          <a:p>
+            <a:pPr algn="ctr"/>
+            <a:endParaRPr lang="es-419"/>
+          </a:p>
+        </p:txBody>
+      </p:sp>
+      <p:sp>
+        <p:nvSpPr>
+          <p:cNvPr id="14" name="Rectangle: Rounded Corners 13">
+            <a:extLst>
+              <a:ext uri="{FF2B5EF4-FFF2-40B4-BE49-F238E27FC236}">
+                <a16:creationId xmlns:a16="http://schemas.microsoft.com/office/drawing/2014/main" id="{EC1B98B5-CEF4-A694-B41D-211772637AB0}"/>
+              </a:ext>
+            </a:extLst>
+          </p:cNvPr>
+          <p:cNvSpPr/>
+          <p:nvPr/>
+        </p:nvSpPr>
+        <p:spPr>
+          <a:xfrm>
+            <a:off x="3685032" y="1143000"/>
+            <a:ext cx="1783080" cy="484632"/>
+          </a:xfrm>
+          <a:prstGeom prst="roundRect">
+            <a:avLst/>
+          </a:prstGeom>
+          <a:noFill/>
+        </p:spPr>
+        <p:style>
+          <a:lnRef idx="2">
+            <a:schemeClr val="accent1">
+              <a:shade val="50000"/>
+            </a:schemeClr>
+          </a:lnRef>
+          <a:fillRef idx="1">
+            <a:schemeClr val="accent1"/>
+          </a:fillRef>
+          <a:effectRef idx="0">
+            <a:schemeClr val="accent1"/>
+          </a:effectRef>
+          <a:fontRef idx="minor">
+            <a:schemeClr val="lt1"/>
+          </a:fontRef>
+        </p:style>
+        <p:txBody>
+          <a:bodyPr rtlCol="0" anchor="ctr"/>
+          <a:lstStyle/>
+          <a:p>
+            <a:pPr algn="ctr"/>
+            <a:endParaRPr lang="es-419"/>
+          </a:p>
+        </p:txBody>
+      </p:sp>
+      <p:sp>
+        <p:nvSpPr>
+          <p:cNvPr id="15" name="Rectangle: Rounded Corners 14">
+            <a:extLst>
+              <a:ext uri="{FF2B5EF4-FFF2-40B4-BE49-F238E27FC236}">
+                <a16:creationId xmlns:a16="http://schemas.microsoft.com/office/drawing/2014/main" id="{16169029-E87D-2F6D-7E32-D6F00D008887}"/>
+              </a:ext>
+            </a:extLst>
+          </p:cNvPr>
+          <p:cNvSpPr/>
+          <p:nvPr/>
+        </p:nvSpPr>
+        <p:spPr>
+          <a:xfrm>
+            <a:off x="8499348" y="832104"/>
+            <a:ext cx="2304288" cy="1106424"/>
+          </a:xfrm>
+          <a:prstGeom prst="roundRect">
+            <a:avLst/>
+          </a:prstGeom>
+          <a:noFill/>
+        </p:spPr>
+        <p:style>
+          <a:lnRef idx="2">
+            <a:schemeClr val="accent1">
+              <a:shade val="50000"/>
+            </a:schemeClr>
+          </a:lnRef>
+          <a:fillRef idx="1">
+            <a:schemeClr val="accent1"/>
+          </a:fillRef>
+          <a:effectRef idx="0">
+            <a:schemeClr val="accent1"/>
+          </a:effectRef>
+          <a:fontRef idx="minor">
+            <a:schemeClr val="lt1"/>
+          </a:fontRef>
+        </p:style>
+        <p:txBody>
+          <a:bodyPr rtlCol="0" anchor="ctr"/>
+          <a:lstStyle/>
+          <a:p>
+            <a:pPr algn="ctr"/>
+            <a:endParaRPr lang="es-419"/>
+          </a:p>
+        </p:txBody>
+      </p:sp>
+      <p:sp>
+        <p:nvSpPr>
+          <p:cNvPr id="16" name="Rectangle: Rounded Corners 15">
+            <a:extLst>
+              <a:ext uri="{FF2B5EF4-FFF2-40B4-BE49-F238E27FC236}">
+                <a16:creationId xmlns:a16="http://schemas.microsoft.com/office/drawing/2014/main" id="{D138C1CE-C740-80A6-D961-0505818F6FC9}"/>
+              </a:ext>
+            </a:extLst>
+          </p:cNvPr>
+          <p:cNvSpPr/>
+          <p:nvPr/>
+        </p:nvSpPr>
+        <p:spPr>
+          <a:xfrm>
+            <a:off x="8759952" y="1143000"/>
+            <a:ext cx="1783080" cy="484632"/>
+          </a:xfrm>
+          <a:prstGeom prst="roundRect">
+            <a:avLst/>
+          </a:prstGeom>
+          <a:noFill/>
+        </p:spPr>
+        <p:style>
+          <a:lnRef idx="2">
+            <a:schemeClr val="accent1">
+              <a:shade val="50000"/>
+            </a:schemeClr>
+          </a:lnRef>
+          <a:fillRef idx="1">
+            <a:schemeClr val="accent1"/>
+          </a:fillRef>
+          <a:effectRef idx="0">
+            <a:schemeClr val="accent1"/>
+          </a:effectRef>
+          <a:fontRef idx="minor">
+            <a:schemeClr val="lt1"/>
+          </a:fontRef>
+        </p:style>
+        <p:txBody>
+          <a:bodyPr rtlCol="0" anchor="ctr"/>
+          <a:lstStyle/>
+          <a:p>
+            <a:pPr algn="ctr"/>
+            <a:endParaRPr lang="es-419"/>
+          </a:p>
+        </p:txBody>
+      </p:sp>
+      <p:sp>
+        <p:nvSpPr>
+          <p:cNvPr id="17" name="Rectangle: Rounded Corners 16">
+            <a:extLst>
+              <a:ext uri="{FF2B5EF4-FFF2-40B4-BE49-F238E27FC236}">
+                <a16:creationId xmlns:a16="http://schemas.microsoft.com/office/drawing/2014/main" id="{B6E4551F-72D5-6F21-2953-93567756D3F8}"/>
+              </a:ext>
+            </a:extLst>
+          </p:cNvPr>
+          <p:cNvSpPr/>
+          <p:nvPr/>
+        </p:nvSpPr>
+        <p:spPr>
+          <a:xfrm>
+            <a:off x="5920740" y="832104"/>
+            <a:ext cx="2304288" cy="1106424"/>
+          </a:xfrm>
+          <a:prstGeom prst="roundRect">
+            <a:avLst/>
+          </a:prstGeom>
+          <a:noFill/>
+        </p:spPr>
+        <p:style>
+          <a:lnRef idx="2">
+            <a:schemeClr val="accent1">
+              <a:shade val="50000"/>
+            </a:schemeClr>
+          </a:lnRef>
+          <a:fillRef idx="1">
+            <a:schemeClr val="accent1"/>
+          </a:fillRef>
+          <a:effectRef idx="0">
+            <a:schemeClr val="accent1"/>
+          </a:effectRef>
+          <a:fontRef idx="minor">
+            <a:schemeClr val="lt1"/>
+          </a:fontRef>
+        </p:style>
+        <p:txBody>
+          <a:bodyPr rtlCol="0" anchor="ctr"/>
+          <a:lstStyle/>
+          <a:p>
+            <a:pPr algn="ctr"/>
+            <a:endParaRPr lang="es-419"/>
+          </a:p>
+        </p:txBody>
+      </p:sp>
+      <p:sp>
+        <p:nvSpPr>
+          <p:cNvPr id="18" name="Rectangle: Rounded Corners 17">
+            <a:extLst>
+              <a:ext uri="{FF2B5EF4-FFF2-40B4-BE49-F238E27FC236}">
+                <a16:creationId xmlns:a16="http://schemas.microsoft.com/office/drawing/2014/main" id="{9C1BB0CE-B8FC-EAC7-1579-F6C4F99FC49F}"/>
+              </a:ext>
+            </a:extLst>
+          </p:cNvPr>
+          <p:cNvSpPr/>
+          <p:nvPr/>
+        </p:nvSpPr>
+        <p:spPr>
+          <a:xfrm>
+            <a:off x="6181344" y="1143000"/>
+            <a:ext cx="1783080" cy="484632"/>
+          </a:xfrm>
+          <a:prstGeom prst="roundRect">
+            <a:avLst/>
+          </a:prstGeom>
+          <a:noFill/>
+        </p:spPr>
+        <p:style>
+          <a:lnRef idx="2">
+            <a:schemeClr val="accent1">
+              <a:shade val="50000"/>
+            </a:schemeClr>
+          </a:lnRef>
+          <a:fillRef idx="1">
+            <a:schemeClr val="accent1"/>
+          </a:fillRef>
+          <a:effectRef idx="0">
+            <a:schemeClr val="accent1"/>
+          </a:effectRef>
+          <a:fontRef idx="minor">
+            <a:schemeClr val="lt1"/>
+          </a:fontRef>
+        </p:style>
+        <p:txBody>
+          <a:bodyPr rtlCol="0" anchor="ctr"/>
+          <a:lstStyle/>
+          <a:p>
+            <a:pPr algn="ctr"/>
+            <a:endParaRPr lang="es-419"/>
+          </a:p>
+        </p:txBody>
+      </p:sp>
+      <p:sp>
+        <p:nvSpPr>
+          <p:cNvPr id="19" name="Cylinder 18">
+            <a:extLst>
+              <a:ext uri="{FF2B5EF4-FFF2-40B4-BE49-F238E27FC236}">
+                <a16:creationId xmlns:a16="http://schemas.microsoft.com/office/drawing/2014/main" id="{DB8314A7-261B-2EBD-42F3-65E5DF0EEF7F}"/>
+              </a:ext>
+            </a:extLst>
+          </p:cNvPr>
+          <p:cNvSpPr/>
+          <p:nvPr/>
+        </p:nvSpPr>
+        <p:spPr>
+          <a:xfrm>
+            <a:off x="6391656" y="5212080"/>
+            <a:ext cx="1362456" cy="1060704"/>
+          </a:xfrm>
+          <a:prstGeom prst="can">
+            <a:avLst/>
+          </a:prstGeom>
+          <a:noFill/>
+        </p:spPr>
+        <p:style>
+          <a:lnRef idx="2">
+            <a:schemeClr val="accent1">
+              <a:shade val="50000"/>
+            </a:schemeClr>
+          </a:lnRef>
+          <a:fillRef idx="1">
+            <a:schemeClr val="accent1"/>
+          </a:fillRef>
+          <a:effectRef idx="0">
+            <a:schemeClr val="accent1"/>
+          </a:effectRef>
+          <a:fontRef idx="minor">
+            <a:schemeClr val="lt1"/>
+          </a:fontRef>
+        </p:style>
+        <p:txBody>
+          <a:bodyPr rtlCol="0" anchor="ctr"/>
+          <a:lstStyle/>
+          <a:p>
+            <a:pPr algn="ctr"/>
+            <a:endParaRPr lang="es-419"/>
+          </a:p>
+        </p:txBody>
+      </p:sp>
+      <p:cxnSp>
+        <p:nvCxnSpPr>
+          <p:cNvPr id="20" name="Connector: Elbow 19">
+            <a:extLst>
+              <a:ext uri="{FF2B5EF4-FFF2-40B4-BE49-F238E27FC236}">
+                <a16:creationId xmlns:a16="http://schemas.microsoft.com/office/drawing/2014/main" id="{C628E6E0-8A4E-D4F7-DA17-5A02D1CEF8FA}"/>
+              </a:ext>
+            </a:extLst>
+          </p:cNvPr>
+          <p:cNvCxnSpPr/>
+          <p:nvPr/>
+        </p:nvCxnSpPr>
+        <p:spPr>
+          <a:xfrm rot="5400000">
+            <a:off x="6725412" y="2286000"/>
+            <a:ext cx="3273552" cy="2578608"/>
+          </a:xfrm>
+          <a:prstGeom prst="bentConnector3">
+            <a:avLst/>
+          </a:prstGeom>
+          <a:ln>
+            <a:tailEnd type="triangle"/>
+          </a:ln>
+        </p:spPr>
+        <p:style>
+          <a:lnRef idx="1">
+            <a:schemeClr val="accent1"/>
+          </a:lnRef>
+          <a:fillRef idx="0">
+            <a:schemeClr val="accent1"/>
+          </a:fillRef>
+          <a:effectRef idx="0">
+            <a:schemeClr val="accent1"/>
+          </a:effectRef>
+          <a:fontRef idx="minor">
+            <a:schemeClr val="tx1"/>
+          </a:fontRef>
+        </p:style>
+      </p:cxnSp>
+      <p:cxnSp>
+        <p:nvCxnSpPr>
+          <p:cNvPr id="21" name="Connector: Elbow 20">
+            <a:extLst>
+              <a:ext uri="{FF2B5EF4-FFF2-40B4-BE49-F238E27FC236}">
+                <a16:creationId xmlns:a16="http://schemas.microsoft.com/office/drawing/2014/main" id="{09B56C3A-4498-7D7D-CA59-00BE27D404CB}"/>
+              </a:ext>
+            </a:extLst>
+          </p:cNvPr>
+          <p:cNvCxnSpPr/>
+          <p:nvPr/>
+        </p:nvCxnSpPr>
+        <p:spPr>
+          <a:xfrm rot="16200000" flipH="1">
+            <a:off x="4187952" y="2327148"/>
+            <a:ext cx="3273552" cy="2496312"/>
+          </a:xfrm>
+          <a:prstGeom prst="bentConnector3">
+            <a:avLst/>
+          </a:prstGeom>
+          <a:ln>
+            <a:tailEnd type="triangle"/>
+          </a:ln>
+        </p:spPr>
+        <p:style>
+          <a:lnRef idx="1">
+            <a:schemeClr val="accent1"/>
+          </a:lnRef>
+          <a:fillRef idx="0">
+            <a:schemeClr val="accent1"/>
+          </a:fillRef>
+          <a:effectRef idx="0">
+            <a:schemeClr val="accent1"/>
+          </a:effectRef>
+          <a:fontRef idx="minor">
+            <a:schemeClr val="tx1"/>
+          </a:fontRef>
+        </p:style>
+      </p:cxnSp>
+      <p:cxnSp>
+        <p:nvCxnSpPr>
+          <p:cNvPr id="22" name="Straight Arrow Connector 21">
+            <a:extLst>
+              <a:ext uri="{FF2B5EF4-FFF2-40B4-BE49-F238E27FC236}">
+                <a16:creationId xmlns:a16="http://schemas.microsoft.com/office/drawing/2014/main" id="{7A7A2875-2F0E-A2A1-7129-7CAF9809BF96}"/>
+              </a:ext>
+            </a:extLst>
+          </p:cNvPr>
+          <p:cNvCxnSpPr/>
+          <p:nvPr/>
+        </p:nvCxnSpPr>
+        <p:spPr>
+          <a:xfrm>
+            <a:off x="7072884" y="1938528"/>
+            <a:ext cx="0" cy="3273552"/>
+          </a:xfrm>
+          <a:prstGeom prst="straightConnector1">
+            <a:avLst/>
+          </a:prstGeom>
+          <a:ln>
+            <a:tailEnd type="triangle"/>
+          </a:ln>
+        </p:spPr>
+        <p:style>
+          <a:lnRef idx="1">
+            <a:schemeClr val="accent1"/>
+          </a:lnRef>
+          <a:fillRef idx="0">
+            <a:schemeClr val="accent1"/>
+          </a:fillRef>
+          <a:effectRef idx="0">
+            <a:schemeClr val="accent1"/>
+          </a:effectRef>
+          <a:fontRef idx="minor">
+            <a:schemeClr val="tx1"/>
+          </a:fontRef>
+        </p:style>
+      </p:cxnSp>
     </p:spTree>
     <p:extLst>
       <p:ext uri="{BB962C8B-B14F-4D97-AF65-F5344CB8AC3E}">
         <p14:creationId xmlns:p14="http://schemas.microsoft.com/office/powerpoint/2010/main" val="350496091"/>
+      </p:ext>
+    </p:extLst>
+  </p:cSld>
+  <p:clrMapOvr>
+    <a:masterClrMapping/>
+  </p:clrMapOvr>
+</p:sld>
+</file>
+
+<file path=ppt/slides/slide2.xml><?xml version="1.0" encoding="utf-8"?>
+<p:sld xmlns:a="http://schemas.openxmlformats.org/drawingml/2006/main" xmlns:r="http://schemas.openxmlformats.org/officeDocument/2006/relationships" xmlns:p="http://schemas.openxmlformats.org/presentationml/2006/main">
+  <p:cSld>
+    <p:spTree>
+      <p:nvGrpSpPr>
+        <p:cNvPr id="1" name=""/>
+        <p:cNvGrpSpPr/>
+        <p:nvPr/>
+      </p:nvGrpSpPr>
+      <p:grpSpPr>
+        <a:xfrm>
+          <a:off x="0" y="0"/>
+          <a:ext cx="0" cy="0"/>
+          <a:chOff x="0" y="0"/>
+          <a:chExt cx="0" cy="0"/>
+        </a:xfrm>
+      </p:grpSpPr>
+      <p:sp>
+        <p:nvSpPr>
+          <p:cNvPr id="4" name="Rectangle: Rounded Corners 3">
+            <a:extLst>
+              <a:ext uri="{FF2B5EF4-FFF2-40B4-BE49-F238E27FC236}">
+                <a16:creationId xmlns:a16="http://schemas.microsoft.com/office/drawing/2014/main" id="{268FDFB8-014D-2C79-6F56-D2371DB8C0EA}"/>
+              </a:ext>
+            </a:extLst>
+          </p:cNvPr>
+          <p:cNvSpPr/>
+          <p:nvPr/>
+        </p:nvSpPr>
+        <p:spPr>
+          <a:xfrm>
+            <a:off x="1161288" y="324104"/>
+            <a:ext cx="2304288" cy="3950208"/>
+          </a:xfrm>
+          <a:prstGeom prst="roundRect">
+            <a:avLst/>
+          </a:prstGeom>
+          <a:noFill/>
+        </p:spPr>
+        <p:style>
+          <a:lnRef idx="2">
+            <a:schemeClr val="accent1">
+              <a:shade val="50000"/>
+            </a:schemeClr>
+          </a:lnRef>
+          <a:fillRef idx="1">
+            <a:schemeClr val="accent1"/>
+          </a:fillRef>
+          <a:effectRef idx="0">
+            <a:schemeClr val="accent1"/>
+          </a:effectRef>
+          <a:fontRef idx="minor">
+            <a:schemeClr val="lt1"/>
+          </a:fontRef>
+        </p:style>
+        <p:txBody>
+          <a:bodyPr rtlCol="0" anchor="ctr"/>
+          <a:lstStyle/>
+          <a:p>
+            <a:pPr algn="ctr"/>
+            <a:endParaRPr lang="es-419"/>
+          </a:p>
+        </p:txBody>
+      </p:sp>
+      <p:sp>
+        <p:nvSpPr>
+          <p:cNvPr id="5" name="Rectangle: Rounded Corners 4">
+            <a:extLst>
+              <a:ext uri="{FF2B5EF4-FFF2-40B4-BE49-F238E27FC236}">
+                <a16:creationId xmlns:a16="http://schemas.microsoft.com/office/drawing/2014/main" id="{6F5DE92F-9F73-DC4D-EF42-977DA045685D}"/>
+              </a:ext>
+            </a:extLst>
+          </p:cNvPr>
+          <p:cNvSpPr/>
+          <p:nvPr/>
+        </p:nvSpPr>
+        <p:spPr>
+          <a:xfrm>
+            <a:off x="1417320" y="945896"/>
+            <a:ext cx="1783080" cy="484632"/>
+          </a:xfrm>
+          <a:prstGeom prst="roundRect">
+            <a:avLst/>
+          </a:prstGeom>
+          <a:noFill/>
+        </p:spPr>
+        <p:style>
+          <a:lnRef idx="2">
+            <a:schemeClr val="accent1">
+              <a:shade val="50000"/>
+            </a:schemeClr>
+          </a:lnRef>
+          <a:fillRef idx="1">
+            <a:schemeClr val="accent1"/>
+          </a:fillRef>
+          <a:effectRef idx="0">
+            <a:schemeClr val="accent1"/>
+          </a:effectRef>
+          <a:fontRef idx="minor">
+            <a:schemeClr val="lt1"/>
+          </a:fontRef>
+        </p:style>
+        <p:txBody>
+          <a:bodyPr rtlCol="0" anchor="ctr"/>
+          <a:lstStyle/>
+          <a:p>
+            <a:pPr algn="ctr"/>
+            <a:endParaRPr lang="es-419"/>
+          </a:p>
+        </p:txBody>
+      </p:sp>
+      <p:sp>
+        <p:nvSpPr>
+          <p:cNvPr id="6" name="Rectangle: Rounded Corners 5">
+            <a:extLst>
+              <a:ext uri="{FF2B5EF4-FFF2-40B4-BE49-F238E27FC236}">
+                <a16:creationId xmlns:a16="http://schemas.microsoft.com/office/drawing/2014/main" id="{374342E2-346A-73AB-C6DE-EE167D517F0B}"/>
+              </a:ext>
+            </a:extLst>
+          </p:cNvPr>
+          <p:cNvSpPr/>
+          <p:nvPr/>
+        </p:nvSpPr>
+        <p:spPr>
+          <a:xfrm>
+            <a:off x="1417320" y="1567688"/>
+            <a:ext cx="1783080" cy="484632"/>
+          </a:xfrm>
+          <a:prstGeom prst="roundRect">
+            <a:avLst/>
+          </a:prstGeom>
+          <a:noFill/>
+        </p:spPr>
+        <p:style>
+          <a:lnRef idx="2">
+            <a:schemeClr val="accent1">
+              <a:shade val="50000"/>
+            </a:schemeClr>
+          </a:lnRef>
+          <a:fillRef idx="1">
+            <a:schemeClr val="accent1"/>
+          </a:fillRef>
+          <a:effectRef idx="0">
+            <a:schemeClr val="accent1"/>
+          </a:effectRef>
+          <a:fontRef idx="minor">
+            <a:schemeClr val="lt1"/>
+          </a:fontRef>
+        </p:style>
+        <p:txBody>
+          <a:bodyPr rtlCol="0" anchor="ctr"/>
+          <a:lstStyle/>
+          <a:p>
+            <a:pPr algn="ctr"/>
+            <a:endParaRPr lang="es-419"/>
+          </a:p>
+        </p:txBody>
+      </p:sp>
+      <p:sp>
+        <p:nvSpPr>
+          <p:cNvPr id="7" name="Rectangle: Rounded Corners 6">
+            <a:extLst>
+              <a:ext uri="{FF2B5EF4-FFF2-40B4-BE49-F238E27FC236}">
+                <a16:creationId xmlns:a16="http://schemas.microsoft.com/office/drawing/2014/main" id="{CAA1D2D1-455D-A756-1633-F859EE0F3943}"/>
+              </a:ext>
+            </a:extLst>
+          </p:cNvPr>
+          <p:cNvSpPr/>
+          <p:nvPr/>
+        </p:nvSpPr>
+        <p:spPr>
+          <a:xfrm>
+            <a:off x="1417320" y="2189480"/>
+            <a:ext cx="1783080" cy="484632"/>
+          </a:xfrm>
+          <a:prstGeom prst="roundRect">
+            <a:avLst/>
+          </a:prstGeom>
+          <a:noFill/>
+        </p:spPr>
+        <p:style>
+          <a:lnRef idx="2">
+            <a:schemeClr val="accent1">
+              <a:shade val="50000"/>
+            </a:schemeClr>
+          </a:lnRef>
+          <a:fillRef idx="1">
+            <a:schemeClr val="accent1"/>
+          </a:fillRef>
+          <a:effectRef idx="0">
+            <a:schemeClr val="accent1"/>
+          </a:effectRef>
+          <a:fontRef idx="minor">
+            <a:schemeClr val="lt1"/>
+          </a:fontRef>
+        </p:style>
+        <p:txBody>
+          <a:bodyPr rtlCol="0" anchor="ctr"/>
+          <a:lstStyle/>
+          <a:p>
+            <a:pPr algn="ctr"/>
+            <a:endParaRPr lang="es-419"/>
+          </a:p>
+        </p:txBody>
+      </p:sp>
+      <p:sp>
+        <p:nvSpPr>
+          <p:cNvPr id="8" name="Rectangle: Rounded Corners 7">
+            <a:extLst>
+              <a:ext uri="{FF2B5EF4-FFF2-40B4-BE49-F238E27FC236}">
+                <a16:creationId xmlns:a16="http://schemas.microsoft.com/office/drawing/2014/main" id="{90D18D92-E735-9816-2218-3094F9FC51A6}"/>
+              </a:ext>
+            </a:extLst>
+          </p:cNvPr>
+          <p:cNvSpPr/>
+          <p:nvPr/>
+        </p:nvSpPr>
+        <p:spPr>
+          <a:xfrm>
+            <a:off x="1417320" y="2930144"/>
+            <a:ext cx="1783080" cy="484632"/>
+          </a:xfrm>
+          <a:prstGeom prst="roundRect">
+            <a:avLst/>
+          </a:prstGeom>
+          <a:noFill/>
+        </p:spPr>
+        <p:style>
+          <a:lnRef idx="2">
+            <a:schemeClr val="accent1">
+              <a:shade val="50000"/>
+            </a:schemeClr>
+          </a:lnRef>
+          <a:fillRef idx="1">
+            <a:schemeClr val="accent1"/>
+          </a:fillRef>
+          <a:effectRef idx="0">
+            <a:schemeClr val="accent1"/>
+          </a:effectRef>
+          <a:fontRef idx="minor">
+            <a:schemeClr val="lt1"/>
+          </a:fontRef>
+        </p:style>
+        <p:txBody>
+          <a:bodyPr rtlCol="0" anchor="ctr"/>
+          <a:lstStyle/>
+          <a:p>
+            <a:pPr algn="ctr"/>
+            <a:endParaRPr lang="es-419"/>
+          </a:p>
+        </p:txBody>
+      </p:sp>
+      <p:cxnSp>
+        <p:nvCxnSpPr>
+          <p:cNvPr id="9" name="Straight Connector 8">
+            <a:extLst>
+              <a:ext uri="{FF2B5EF4-FFF2-40B4-BE49-F238E27FC236}">
+                <a16:creationId xmlns:a16="http://schemas.microsoft.com/office/drawing/2014/main" id="{CA56750A-1D7B-B875-BD75-A03C3559BA04}"/>
+              </a:ext>
+            </a:extLst>
+          </p:cNvPr>
+          <p:cNvCxnSpPr>
+            <a:stCxn id="5" idx="2"/>
+            <a:endCxn id="6" idx="0"/>
+          </p:cNvCxnSpPr>
+          <p:nvPr/>
+        </p:nvCxnSpPr>
+        <p:spPr>
+          <a:xfrm>
+            <a:off x="2308860" y="1430528"/>
+            <a:ext cx="0" cy="137160"/>
+          </a:xfrm>
+          <a:prstGeom prst="line">
+            <a:avLst/>
+          </a:prstGeom>
+        </p:spPr>
+        <p:style>
+          <a:lnRef idx="1">
+            <a:schemeClr val="accent1"/>
+          </a:lnRef>
+          <a:fillRef idx="0">
+            <a:schemeClr val="accent1"/>
+          </a:fillRef>
+          <a:effectRef idx="0">
+            <a:schemeClr val="accent1"/>
+          </a:effectRef>
+          <a:fontRef idx="minor">
+            <a:schemeClr val="tx1"/>
+          </a:fontRef>
+        </p:style>
+      </p:cxnSp>
+      <p:cxnSp>
+        <p:nvCxnSpPr>
+          <p:cNvPr id="10" name="Straight Connector 9">
+            <a:extLst>
+              <a:ext uri="{FF2B5EF4-FFF2-40B4-BE49-F238E27FC236}">
+                <a16:creationId xmlns:a16="http://schemas.microsoft.com/office/drawing/2014/main" id="{CF457CBE-7538-6E00-6130-B52EC9DCE1E0}"/>
+              </a:ext>
+            </a:extLst>
+          </p:cNvPr>
+          <p:cNvCxnSpPr>
+            <a:stCxn id="6" idx="2"/>
+            <a:endCxn id="7" idx="0"/>
+          </p:cNvCxnSpPr>
+          <p:nvPr/>
+        </p:nvCxnSpPr>
+        <p:spPr>
+          <a:xfrm>
+            <a:off x="2308860" y="2052320"/>
+            <a:ext cx="0" cy="137160"/>
+          </a:xfrm>
+          <a:prstGeom prst="line">
+            <a:avLst/>
+          </a:prstGeom>
+        </p:spPr>
+        <p:style>
+          <a:lnRef idx="1">
+            <a:schemeClr val="accent1"/>
+          </a:lnRef>
+          <a:fillRef idx="0">
+            <a:schemeClr val="accent1"/>
+          </a:fillRef>
+          <a:effectRef idx="0">
+            <a:schemeClr val="accent1"/>
+          </a:effectRef>
+          <a:fontRef idx="minor">
+            <a:schemeClr val="tx1"/>
+          </a:fontRef>
+        </p:style>
+      </p:cxnSp>
+      <p:cxnSp>
+        <p:nvCxnSpPr>
+          <p:cNvPr id="11" name="Straight Connector 10">
+            <a:extLst>
+              <a:ext uri="{FF2B5EF4-FFF2-40B4-BE49-F238E27FC236}">
+                <a16:creationId xmlns:a16="http://schemas.microsoft.com/office/drawing/2014/main" id="{56EC8304-821D-9B61-B4D2-12F63D6C3210}"/>
+              </a:ext>
+            </a:extLst>
+          </p:cNvPr>
+          <p:cNvCxnSpPr>
+            <a:stCxn id="7" idx="2"/>
+            <a:endCxn id="8" idx="0"/>
+          </p:cNvCxnSpPr>
+          <p:nvPr/>
+        </p:nvCxnSpPr>
+        <p:spPr>
+          <a:xfrm>
+            <a:off x="2308860" y="2674112"/>
+            <a:ext cx="0" cy="256032"/>
+          </a:xfrm>
+          <a:prstGeom prst="line">
+            <a:avLst/>
+          </a:prstGeom>
+        </p:spPr>
+        <p:style>
+          <a:lnRef idx="1">
+            <a:schemeClr val="accent1"/>
+          </a:lnRef>
+          <a:fillRef idx="0">
+            <a:schemeClr val="accent1"/>
+          </a:fillRef>
+          <a:effectRef idx="0">
+            <a:schemeClr val="accent1"/>
+          </a:effectRef>
+          <a:fontRef idx="minor">
+            <a:schemeClr val="tx1"/>
+          </a:fontRef>
+        </p:style>
+      </p:cxnSp>
+      <p:sp>
+        <p:nvSpPr>
+          <p:cNvPr id="12" name="Rectangle: Rounded Corners 11">
+            <a:extLst>
+              <a:ext uri="{FF2B5EF4-FFF2-40B4-BE49-F238E27FC236}">
+                <a16:creationId xmlns:a16="http://schemas.microsoft.com/office/drawing/2014/main" id="{70C96155-7CAE-7F04-8A6B-247A3A3A5A73}"/>
+              </a:ext>
+            </a:extLst>
+          </p:cNvPr>
+          <p:cNvSpPr/>
+          <p:nvPr/>
+        </p:nvSpPr>
+        <p:spPr>
+          <a:xfrm>
+            <a:off x="4613148" y="324104"/>
+            <a:ext cx="2304288" cy="3950208"/>
+          </a:xfrm>
+          <a:prstGeom prst="roundRect">
+            <a:avLst/>
+          </a:prstGeom>
+          <a:noFill/>
+        </p:spPr>
+        <p:style>
+          <a:lnRef idx="2">
+            <a:schemeClr val="accent1">
+              <a:shade val="50000"/>
+            </a:schemeClr>
+          </a:lnRef>
+          <a:fillRef idx="1">
+            <a:schemeClr val="accent1"/>
+          </a:fillRef>
+          <a:effectRef idx="0">
+            <a:schemeClr val="accent1"/>
+          </a:effectRef>
+          <a:fontRef idx="minor">
+            <a:schemeClr val="lt1"/>
+          </a:fontRef>
+        </p:style>
+        <p:txBody>
+          <a:bodyPr rtlCol="0" anchor="ctr"/>
+          <a:lstStyle/>
+          <a:p>
+            <a:pPr algn="ctr"/>
+            <a:endParaRPr lang="es-419"/>
+          </a:p>
+        </p:txBody>
+      </p:sp>
+      <p:sp>
+        <p:nvSpPr>
+          <p:cNvPr id="13" name="Rectangle: Rounded Corners 12">
+            <a:extLst>
+              <a:ext uri="{FF2B5EF4-FFF2-40B4-BE49-F238E27FC236}">
+                <a16:creationId xmlns:a16="http://schemas.microsoft.com/office/drawing/2014/main" id="{D87A65CE-6DB5-B052-880D-95A17EC5309B}"/>
+              </a:ext>
+            </a:extLst>
+          </p:cNvPr>
+          <p:cNvSpPr/>
+          <p:nvPr/>
+        </p:nvSpPr>
+        <p:spPr>
+          <a:xfrm>
+            <a:off x="4869180" y="945896"/>
+            <a:ext cx="1783080" cy="484632"/>
+          </a:xfrm>
+          <a:prstGeom prst="roundRect">
+            <a:avLst/>
+          </a:prstGeom>
+          <a:noFill/>
+        </p:spPr>
+        <p:style>
+          <a:lnRef idx="2">
+            <a:schemeClr val="accent1">
+              <a:shade val="50000"/>
+            </a:schemeClr>
+          </a:lnRef>
+          <a:fillRef idx="1">
+            <a:schemeClr val="accent1"/>
+          </a:fillRef>
+          <a:effectRef idx="0">
+            <a:schemeClr val="accent1"/>
+          </a:effectRef>
+          <a:fontRef idx="minor">
+            <a:schemeClr val="lt1"/>
+          </a:fontRef>
+        </p:style>
+        <p:txBody>
+          <a:bodyPr rtlCol="0" anchor="ctr"/>
+          <a:lstStyle/>
+          <a:p>
+            <a:pPr algn="ctr"/>
+            <a:endParaRPr lang="es-419"/>
+          </a:p>
+        </p:txBody>
+      </p:sp>
+      <p:sp>
+        <p:nvSpPr>
+          <p:cNvPr id="14" name="Rectangle: Rounded Corners 13">
+            <a:extLst>
+              <a:ext uri="{FF2B5EF4-FFF2-40B4-BE49-F238E27FC236}">
+                <a16:creationId xmlns:a16="http://schemas.microsoft.com/office/drawing/2014/main" id="{28FA03CC-8F19-18B7-68A6-44363848432B}"/>
+              </a:ext>
+            </a:extLst>
+          </p:cNvPr>
+          <p:cNvSpPr/>
+          <p:nvPr/>
+        </p:nvSpPr>
+        <p:spPr>
+          <a:xfrm>
+            <a:off x="4869180" y="1567688"/>
+            <a:ext cx="1783080" cy="484632"/>
+          </a:xfrm>
+          <a:prstGeom prst="roundRect">
+            <a:avLst/>
+          </a:prstGeom>
+          <a:noFill/>
+        </p:spPr>
+        <p:style>
+          <a:lnRef idx="2">
+            <a:schemeClr val="accent1">
+              <a:shade val="50000"/>
+            </a:schemeClr>
+          </a:lnRef>
+          <a:fillRef idx="1">
+            <a:schemeClr val="accent1"/>
+          </a:fillRef>
+          <a:effectRef idx="0">
+            <a:schemeClr val="accent1"/>
+          </a:effectRef>
+          <a:fontRef idx="minor">
+            <a:schemeClr val="lt1"/>
+          </a:fontRef>
+        </p:style>
+        <p:txBody>
+          <a:bodyPr rtlCol="0" anchor="ctr"/>
+          <a:lstStyle/>
+          <a:p>
+            <a:pPr algn="ctr"/>
+            <a:endParaRPr lang="es-419"/>
+          </a:p>
+        </p:txBody>
+      </p:sp>
+      <p:sp>
+        <p:nvSpPr>
+          <p:cNvPr id="15" name="Rectangle: Rounded Corners 14">
+            <a:extLst>
+              <a:ext uri="{FF2B5EF4-FFF2-40B4-BE49-F238E27FC236}">
+                <a16:creationId xmlns:a16="http://schemas.microsoft.com/office/drawing/2014/main" id="{F470D7B8-1BF5-15D1-C835-C792B926F57C}"/>
+              </a:ext>
+            </a:extLst>
+          </p:cNvPr>
+          <p:cNvSpPr/>
+          <p:nvPr/>
+        </p:nvSpPr>
+        <p:spPr>
+          <a:xfrm>
+            <a:off x="4869180" y="2189480"/>
+            <a:ext cx="1783080" cy="484632"/>
+          </a:xfrm>
+          <a:prstGeom prst="roundRect">
+            <a:avLst/>
+          </a:prstGeom>
+          <a:noFill/>
+        </p:spPr>
+        <p:style>
+          <a:lnRef idx="2">
+            <a:schemeClr val="accent1">
+              <a:shade val="50000"/>
+            </a:schemeClr>
+          </a:lnRef>
+          <a:fillRef idx="1">
+            <a:schemeClr val="accent1"/>
+          </a:fillRef>
+          <a:effectRef idx="0">
+            <a:schemeClr val="accent1"/>
+          </a:effectRef>
+          <a:fontRef idx="minor">
+            <a:schemeClr val="lt1"/>
+          </a:fontRef>
+        </p:style>
+        <p:txBody>
+          <a:bodyPr rtlCol="0" anchor="ctr"/>
+          <a:lstStyle/>
+          <a:p>
+            <a:pPr algn="ctr"/>
+            <a:endParaRPr lang="es-419"/>
+          </a:p>
+        </p:txBody>
+      </p:sp>
+      <p:sp>
+        <p:nvSpPr>
+          <p:cNvPr id="16" name="Rectangle: Rounded Corners 15">
+            <a:extLst>
+              <a:ext uri="{FF2B5EF4-FFF2-40B4-BE49-F238E27FC236}">
+                <a16:creationId xmlns:a16="http://schemas.microsoft.com/office/drawing/2014/main" id="{8EED81B7-D8F5-6177-48BB-546309FF560C}"/>
+              </a:ext>
+            </a:extLst>
+          </p:cNvPr>
+          <p:cNvSpPr/>
+          <p:nvPr/>
+        </p:nvSpPr>
+        <p:spPr>
+          <a:xfrm>
+            <a:off x="4869180" y="2930144"/>
+            <a:ext cx="1783080" cy="484632"/>
+          </a:xfrm>
+          <a:prstGeom prst="roundRect">
+            <a:avLst/>
+          </a:prstGeom>
+          <a:noFill/>
+        </p:spPr>
+        <p:style>
+          <a:lnRef idx="2">
+            <a:schemeClr val="accent1">
+              <a:shade val="50000"/>
+            </a:schemeClr>
+          </a:lnRef>
+          <a:fillRef idx="1">
+            <a:schemeClr val="accent1"/>
+          </a:fillRef>
+          <a:effectRef idx="0">
+            <a:schemeClr val="accent1"/>
+          </a:effectRef>
+          <a:fontRef idx="minor">
+            <a:schemeClr val="lt1"/>
+          </a:fontRef>
+        </p:style>
+        <p:txBody>
+          <a:bodyPr rtlCol="0" anchor="ctr"/>
+          <a:lstStyle/>
+          <a:p>
+            <a:pPr algn="ctr"/>
+            <a:endParaRPr lang="es-419"/>
+          </a:p>
+        </p:txBody>
+      </p:sp>
+      <p:cxnSp>
+        <p:nvCxnSpPr>
+          <p:cNvPr id="17" name="Straight Connector 16">
+            <a:extLst>
+              <a:ext uri="{FF2B5EF4-FFF2-40B4-BE49-F238E27FC236}">
+                <a16:creationId xmlns:a16="http://schemas.microsoft.com/office/drawing/2014/main" id="{66DBFA15-7C96-0356-73DD-D6B4D4133052}"/>
+              </a:ext>
+            </a:extLst>
+          </p:cNvPr>
+          <p:cNvCxnSpPr>
+            <a:stCxn id="13" idx="2"/>
+            <a:endCxn id="14" idx="0"/>
+          </p:cNvCxnSpPr>
+          <p:nvPr/>
+        </p:nvCxnSpPr>
+        <p:spPr>
+          <a:xfrm>
+            <a:off x="5760720" y="1430528"/>
+            <a:ext cx="0" cy="137160"/>
+          </a:xfrm>
+          <a:prstGeom prst="line">
+            <a:avLst/>
+          </a:prstGeom>
+        </p:spPr>
+        <p:style>
+          <a:lnRef idx="1">
+            <a:schemeClr val="accent1"/>
+          </a:lnRef>
+          <a:fillRef idx="0">
+            <a:schemeClr val="accent1"/>
+          </a:fillRef>
+          <a:effectRef idx="0">
+            <a:schemeClr val="accent1"/>
+          </a:effectRef>
+          <a:fontRef idx="minor">
+            <a:schemeClr val="tx1"/>
+          </a:fontRef>
+        </p:style>
+      </p:cxnSp>
+      <p:cxnSp>
+        <p:nvCxnSpPr>
+          <p:cNvPr id="18" name="Straight Connector 17">
+            <a:extLst>
+              <a:ext uri="{FF2B5EF4-FFF2-40B4-BE49-F238E27FC236}">
+                <a16:creationId xmlns:a16="http://schemas.microsoft.com/office/drawing/2014/main" id="{8AD143B4-27CD-D3D5-EF25-ADA81A0DE1B6}"/>
+              </a:ext>
+            </a:extLst>
+          </p:cNvPr>
+          <p:cNvCxnSpPr>
+            <a:stCxn id="14" idx="2"/>
+            <a:endCxn id="15" idx="0"/>
+          </p:cNvCxnSpPr>
+          <p:nvPr/>
+        </p:nvCxnSpPr>
+        <p:spPr>
+          <a:xfrm>
+            <a:off x="5760720" y="2052320"/>
+            <a:ext cx="0" cy="137160"/>
+          </a:xfrm>
+          <a:prstGeom prst="line">
+            <a:avLst/>
+          </a:prstGeom>
+        </p:spPr>
+        <p:style>
+          <a:lnRef idx="1">
+            <a:schemeClr val="accent1"/>
+          </a:lnRef>
+          <a:fillRef idx="0">
+            <a:schemeClr val="accent1"/>
+          </a:fillRef>
+          <a:effectRef idx="0">
+            <a:schemeClr val="accent1"/>
+          </a:effectRef>
+          <a:fontRef idx="minor">
+            <a:schemeClr val="tx1"/>
+          </a:fontRef>
+        </p:style>
+      </p:cxnSp>
+      <p:cxnSp>
+        <p:nvCxnSpPr>
+          <p:cNvPr id="19" name="Straight Connector 18">
+            <a:extLst>
+              <a:ext uri="{FF2B5EF4-FFF2-40B4-BE49-F238E27FC236}">
+                <a16:creationId xmlns:a16="http://schemas.microsoft.com/office/drawing/2014/main" id="{251F4D63-9983-383E-6E64-8666F49E964B}"/>
+              </a:ext>
+            </a:extLst>
+          </p:cNvPr>
+          <p:cNvCxnSpPr>
+            <a:stCxn id="15" idx="2"/>
+            <a:endCxn id="16" idx="0"/>
+          </p:cNvCxnSpPr>
+          <p:nvPr/>
+        </p:nvCxnSpPr>
+        <p:spPr>
+          <a:xfrm>
+            <a:off x="5760720" y="2674112"/>
+            <a:ext cx="0" cy="256032"/>
+          </a:xfrm>
+          <a:prstGeom prst="line">
+            <a:avLst/>
+          </a:prstGeom>
+        </p:spPr>
+        <p:style>
+          <a:lnRef idx="1">
+            <a:schemeClr val="accent1"/>
+          </a:lnRef>
+          <a:fillRef idx="0">
+            <a:schemeClr val="accent1"/>
+          </a:fillRef>
+          <a:effectRef idx="0">
+            <a:schemeClr val="accent1"/>
+          </a:effectRef>
+          <a:fontRef idx="minor">
+            <a:schemeClr val="tx1"/>
+          </a:fontRef>
+        </p:style>
+      </p:cxnSp>
+      <p:sp>
+        <p:nvSpPr>
+          <p:cNvPr id="20" name="Rectangle: Rounded Corners 19">
+            <a:extLst>
+              <a:ext uri="{FF2B5EF4-FFF2-40B4-BE49-F238E27FC236}">
+                <a16:creationId xmlns:a16="http://schemas.microsoft.com/office/drawing/2014/main" id="{81D27AB1-2B8D-917D-315A-126AF82BF072}"/>
+              </a:ext>
+            </a:extLst>
+          </p:cNvPr>
+          <p:cNvSpPr/>
+          <p:nvPr/>
+        </p:nvSpPr>
+        <p:spPr>
+          <a:xfrm>
+            <a:off x="8060436" y="324104"/>
+            <a:ext cx="2304288" cy="3950208"/>
+          </a:xfrm>
+          <a:prstGeom prst="roundRect">
+            <a:avLst/>
+          </a:prstGeom>
+          <a:noFill/>
+        </p:spPr>
+        <p:style>
+          <a:lnRef idx="2">
+            <a:schemeClr val="accent1">
+              <a:shade val="50000"/>
+            </a:schemeClr>
+          </a:lnRef>
+          <a:fillRef idx="1">
+            <a:schemeClr val="accent1"/>
+          </a:fillRef>
+          <a:effectRef idx="0">
+            <a:schemeClr val="accent1"/>
+          </a:effectRef>
+          <a:fontRef idx="minor">
+            <a:schemeClr val="lt1"/>
+          </a:fontRef>
+        </p:style>
+        <p:txBody>
+          <a:bodyPr rtlCol="0" anchor="ctr"/>
+          <a:lstStyle/>
+          <a:p>
+            <a:pPr algn="ctr"/>
+            <a:endParaRPr lang="es-419"/>
+          </a:p>
+        </p:txBody>
+      </p:sp>
+      <p:sp>
+        <p:nvSpPr>
+          <p:cNvPr id="21" name="Rectangle: Rounded Corners 20">
+            <a:extLst>
+              <a:ext uri="{FF2B5EF4-FFF2-40B4-BE49-F238E27FC236}">
+                <a16:creationId xmlns:a16="http://schemas.microsoft.com/office/drawing/2014/main" id="{D67D5658-00F7-82A2-85EE-DAB2200865CC}"/>
+              </a:ext>
+            </a:extLst>
+          </p:cNvPr>
+          <p:cNvSpPr/>
+          <p:nvPr/>
+        </p:nvSpPr>
+        <p:spPr>
+          <a:xfrm>
+            <a:off x="8316468" y="945896"/>
+            <a:ext cx="1783080" cy="484632"/>
+          </a:xfrm>
+          <a:prstGeom prst="roundRect">
+            <a:avLst/>
+          </a:prstGeom>
+          <a:noFill/>
+        </p:spPr>
+        <p:style>
+          <a:lnRef idx="2">
+            <a:schemeClr val="accent1">
+              <a:shade val="50000"/>
+            </a:schemeClr>
+          </a:lnRef>
+          <a:fillRef idx="1">
+            <a:schemeClr val="accent1"/>
+          </a:fillRef>
+          <a:effectRef idx="0">
+            <a:schemeClr val="accent1"/>
+          </a:effectRef>
+          <a:fontRef idx="minor">
+            <a:schemeClr val="lt1"/>
+          </a:fontRef>
+        </p:style>
+        <p:txBody>
+          <a:bodyPr rtlCol="0" anchor="ctr"/>
+          <a:lstStyle/>
+          <a:p>
+            <a:pPr algn="ctr"/>
+            <a:endParaRPr lang="es-419"/>
+          </a:p>
+        </p:txBody>
+      </p:sp>
+      <p:sp>
+        <p:nvSpPr>
+          <p:cNvPr id="22" name="Rectangle: Rounded Corners 21">
+            <a:extLst>
+              <a:ext uri="{FF2B5EF4-FFF2-40B4-BE49-F238E27FC236}">
+                <a16:creationId xmlns:a16="http://schemas.microsoft.com/office/drawing/2014/main" id="{A31C5213-FDE3-4286-2C2F-2B95639BEFF3}"/>
+              </a:ext>
+            </a:extLst>
+          </p:cNvPr>
+          <p:cNvSpPr/>
+          <p:nvPr/>
+        </p:nvSpPr>
+        <p:spPr>
+          <a:xfrm>
+            <a:off x="8316468" y="1567688"/>
+            <a:ext cx="1783080" cy="484632"/>
+          </a:xfrm>
+          <a:prstGeom prst="roundRect">
+            <a:avLst/>
+          </a:prstGeom>
+          <a:noFill/>
+        </p:spPr>
+        <p:style>
+          <a:lnRef idx="2">
+            <a:schemeClr val="accent1">
+              <a:shade val="50000"/>
+            </a:schemeClr>
+          </a:lnRef>
+          <a:fillRef idx="1">
+            <a:schemeClr val="accent1"/>
+          </a:fillRef>
+          <a:effectRef idx="0">
+            <a:schemeClr val="accent1"/>
+          </a:effectRef>
+          <a:fontRef idx="minor">
+            <a:schemeClr val="lt1"/>
+          </a:fontRef>
+        </p:style>
+        <p:txBody>
+          <a:bodyPr rtlCol="0" anchor="ctr"/>
+          <a:lstStyle/>
+          <a:p>
+            <a:pPr algn="ctr"/>
+            <a:endParaRPr lang="es-419"/>
+          </a:p>
+        </p:txBody>
+      </p:sp>
+      <p:sp>
+        <p:nvSpPr>
+          <p:cNvPr id="23" name="Rectangle: Rounded Corners 22">
+            <a:extLst>
+              <a:ext uri="{FF2B5EF4-FFF2-40B4-BE49-F238E27FC236}">
+                <a16:creationId xmlns:a16="http://schemas.microsoft.com/office/drawing/2014/main" id="{7A0BBCBF-22DD-4817-7997-4725F03E69E2}"/>
+              </a:ext>
+            </a:extLst>
+          </p:cNvPr>
+          <p:cNvSpPr/>
+          <p:nvPr/>
+        </p:nvSpPr>
+        <p:spPr>
+          <a:xfrm>
+            <a:off x="8316468" y="2189480"/>
+            <a:ext cx="1783080" cy="484632"/>
+          </a:xfrm>
+          <a:prstGeom prst="roundRect">
+            <a:avLst/>
+          </a:prstGeom>
+          <a:noFill/>
+        </p:spPr>
+        <p:style>
+          <a:lnRef idx="2">
+            <a:schemeClr val="accent1">
+              <a:shade val="50000"/>
+            </a:schemeClr>
+          </a:lnRef>
+          <a:fillRef idx="1">
+            <a:schemeClr val="accent1"/>
+          </a:fillRef>
+          <a:effectRef idx="0">
+            <a:schemeClr val="accent1"/>
+          </a:effectRef>
+          <a:fontRef idx="minor">
+            <a:schemeClr val="lt1"/>
+          </a:fontRef>
+        </p:style>
+        <p:txBody>
+          <a:bodyPr rtlCol="0" anchor="ctr"/>
+          <a:lstStyle/>
+          <a:p>
+            <a:pPr algn="ctr"/>
+            <a:endParaRPr lang="es-419"/>
+          </a:p>
+        </p:txBody>
+      </p:sp>
+      <p:sp>
+        <p:nvSpPr>
+          <p:cNvPr id="24" name="Rectangle: Rounded Corners 23">
+            <a:extLst>
+              <a:ext uri="{FF2B5EF4-FFF2-40B4-BE49-F238E27FC236}">
+                <a16:creationId xmlns:a16="http://schemas.microsoft.com/office/drawing/2014/main" id="{537E4220-DB37-6FD1-BC9E-DE353584D75B}"/>
+              </a:ext>
+            </a:extLst>
+          </p:cNvPr>
+          <p:cNvSpPr/>
+          <p:nvPr/>
+        </p:nvSpPr>
+        <p:spPr>
+          <a:xfrm>
+            <a:off x="8316468" y="2930144"/>
+            <a:ext cx="1783080" cy="484632"/>
+          </a:xfrm>
+          <a:prstGeom prst="roundRect">
+            <a:avLst/>
+          </a:prstGeom>
+          <a:noFill/>
+        </p:spPr>
+        <p:style>
+          <a:lnRef idx="2">
+            <a:schemeClr val="accent1">
+              <a:shade val="50000"/>
+            </a:schemeClr>
+          </a:lnRef>
+          <a:fillRef idx="1">
+            <a:schemeClr val="accent1"/>
+          </a:fillRef>
+          <a:effectRef idx="0">
+            <a:schemeClr val="accent1"/>
+          </a:effectRef>
+          <a:fontRef idx="minor">
+            <a:schemeClr val="lt1"/>
+          </a:fontRef>
+        </p:style>
+        <p:txBody>
+          <a:bodyPr rtlCol="0" anchor="ctr"/>
+          <a:lstStyle/>
+          <a:p>
+            <a:pPr algn="ctr"/>
+            <a:endParaRPr lang="es-419"/>
+          </a:p>
+        </p:txBody>
+      </p:sp>
+      <p:cxnSp>
+        <p:nvCxnSpPr>
+          <p:cNvPr id="25" name="Straight Connector 24">
+            <a:extLst>
+              <a:ext uri="{FF2B5EF4-FFF2-40B4-BE49-F238E27FC236}">
+                <a16:creationId xmlns:a16="http://schemas.microsoft.com/office/drawing/2014/main" id="{BB49BF17-7D39-B114-CC7D-612BE6171FF3}"/>
+              </a:ext>
+            </a:extLst>
+          </p:cNvPr>
+          <p:cNvCxnSpPr>
+            <a:stCxn id="21" idx="2"/>
+            <a:endCxn id="22" idx="0"/>
+          </p:cNvCxnSpPr>
+          <p:nvPr/>
+        </p:nvCxnSpPr>
+        <p:spPr>
+          <a:xfrm>
+            <a:off x="9208008" y="1430528"/>
+            <a:ext cx="0" cy="137160"/>
+          </a:xfrm>
+          <a:prstGeom prst="line">
+            <a:avLst/>
+          </a:prstGeom>
+        </p:spPr>
+        <p:style>
+          <a:lnRef idx="1">
+            <a:schemeClr val="accent1"/>
+          </a:lnRef>
+          <a:fillRef idx="0">
+            <a:schemeClr val="accent1"/>
+          </a:fillRef>
+          <a:effectRef idx="0">
+            <a:schemeClr val="accent1"/>
+          </a:effectRef>
+          <a:fontRef idx="minor">
+            <a:schemeClr val="tx1"/>
+          </a:fontRef>
+        </p:style>
+      </p:cxnSp>
+      <p:cxnSp>
+        <p:nvCxnSpPr>
+          <p:cNvPr id="26" name="Straight Connector 25">
+            <a:extLst>
+              <a:ext uri="{FF2B5EF4-FFF2-40B4-BE49-F238E27FC236}">
+                <a16:creationId xmlns:a16="http://schemas.microsoft.com/office/drawing/2014/main" id="{71D61C3B-35E9-F530-5351-84D0A12E4FF9}"/>
+              </a:ext>
+            </a:extLst>
+          </p:cNvPr>
+          <p:cNvCxnSpPr>
+            <a:stCxn id="22" idx="2"/>
+            <a:endCxn id="23" idx="0"/>
+          </p:cNvCxnSpPr>
+          <p:nvPr/>
+        </p:nvCxnSpPr>
+        <p:spPr>
+          <a:xfrm>
+            <a:off x="9208008" y="2052320"/>
+            <a:ext cx="0" cy="137160"/>
+          </a:xfrm>
+          <a:prstGeom prst="line">
+            <a:avLst/>
+          </a:prstGeom>
+        </p:spPr>
+        <p:style>
+          <a:lnRef idx="1">
+            <a:schemeClr val="accent1"/>
+          </a:lnRef>
+          <a:fillRef idx="0">
+            <a:schemeClr val="accent1"/>
+          </a:fillRef>
+          <a:effectRef idx="0">
+            <a:schemeClr val="accent1"/>
+          </a:effectRef>
+          <a:fontRef idx="minor">
+            <a:schemeClr val="tx1"/>
+          </a:fontRef>
+        </p:style>
+      </p:cxnSp>
+      <p:cxnSp>
+        <p:nvCxnSpPr>
+          <p:cNvPr id="27" name="Straight Connector 26">
+            <a:extLst>
+              <a:ext uri="{FF2B5EF4-FFF2-40B4-BE49-F238E27FC236}">
+                <a16:creationId xmlns:a16="http://schemas.microsoft.com/office/drawing/2014/main" id="{055095BC-4927-EB60-B8E7-B3B02FC640C7}"/>
+              </a:ext>
+            </a:extLst>
+          </p:cNvPr>
+          <p:cNvCxnSpPr>
+            <a:stCxn id="23" idx="2"/>
+            <a:endCxn id="24" idx="0"/>
+          </p:cNvCxnSpPr>
+          <p:nvPr/>
+        </p:nvCxnSpPr>
+        <p:spPr>
+          <a:xfrm>
+            <a:off x="9208008" y="2674112"/>
+            <a:ext cx="0" cy="256032"/>
+          </a:xfrm>
+          <a:prstGeom prst="line">
+            <a:avLst/>
+          </a:prstGeom>
+        </p:spPr>
+        <p:style>
+          <a:lnRef idx="1">
+            <a:schemeClr val="accent1"/>
+          </a:lnRef>
+          <a:fillRef idx="0">
+            <a:schemeClr val="accent1"/>
+          </a:fillRef>
+          <a:effectRef idx="0">
+            <a:schemeClr val="accent1"/>
+          </a:effectRef>
+          <a:fontRef idx="minor">
+            <a:schemeClr val="tx1"/>
+          </a:fontRef>
+        </p:style>
+      </p:cxnSp>
+      <p:sp>
+        <p:nvSpPr>
+          <p:cNvPr id="28" name="Cylinder 27">
+            <a:extLst>
+              <a:ext uri="{FF2B5EF4-FFF2-40B4-BE49-F238E27FC236}">
+                <a16:creationId xmlns:a16="http://schemas.microsoft.com/office/drawing/2014/main" id="{72855BA6-38C4-8434-6EA6-5EB7803C2D07}"/>
+              </a:ext>
+            </a:extLst>
+          </p:cNvPr>
+          <p:cNvSpPr/>
+          <p:nvPr/>
+        </p:nvSpPr>
+        <p:spPr>
+          <a:xfrm>
+            <a:off x="1627632" y="5131446"/>
+            <a:ext cx="1362456" cy="1060704"/>
+          </a:xfrm>
+          <a:prstGeom prst="can">
+            <a:avLst/>
+          </a:prstGeom>
+          <a:noFill/>
+        </p:spPr>
+        <p:style>
+          <a:lnRef idx="2">
+            <a:schemeClr val="accent1">
+              <a:shade val="50000"/>
+            </a:schemeClr>
+          </a:lnRef>
+          <a:fillRef idx="1">
+            <a:schemeClr val="accent1"/>
+          </a:fillRef>
+          <a:effectRef idx="0">
+            <a:schemeClr val="accent1"/>
+          </a:effectRef>
+          <a:fontRef idx="minor">
+            <a:schemeClr val="lt1"/>
+          </a:fontRef>
+        </p:style>
+        <p:txBody>
+          <a:bodyPr rtlCol="0" anchor="ctr"/>
+          <a:lstStyle/>
+          <a:p>
+            <a:pPr algn="ctr"/>
+            <a:endParaRPr lang="es-419"/>
+          </a:p>
+        </p:txBody>
+      </p:sp>
+      <p:cxnSp>
+        <p:nvCxnSpPr>
+          <p:cNvPr id="29" name="Straight Arrow Connector 28">
+            <a:extLst>
+              <a:ext uri="{FF2B5EF4-FFF2-40B4-BE49-F238E27FC236}">
+                <a16:creationId xmlns:a16="http://schemas.microsoft.com/office/drawing/2014/main" id="{B35FA096-8863-41A9-DC09-9F7BDA13A9A9}"/>
+              </a:ext>
+            </a:extLst>
+          </p:cNvPr>
+          <p:cNvCxnSpPr>
+            <a:cxnSpLocks/>
+            <a:stCxn id="4" idx="2"/>
+            <a:endCxn id="28" idx="1"/>
+          </p:cNvCxnSpPr>
+          <p:nvPr/>
+        </p:nvCxnSpPr>
+        <p:spPr>
+          <a:xfrm flipH="1">
+            <a:off x="2308860" y="4274312"/>
+            <a:ext cx="4572" cy="857134"/>
+          </a:xfrm>
+          <a:prstGeom prst="straightConnector1">
+            <a:avLst/>
+          </a:prstGeom>
+          <a:ln>
+            <a:tailEnd type="triangle"/>
+          </a:ln>
+        </p:spPr>
+        <p:style>
+          <a:lnRef idx="1">
+            <a:schemeClr val="accent1"/>
+          </a:lnRef>
+          <a:fillRef idx="0">
+            <a:schemeClr val="accent1"/>
+          </a:fillRef>
+          <a:effectRef idx="0">
+            <a:schemeClr val="accent1"/>
+          </a:effectRef>
+          <a:fontRef idx="minor">
+            <a:schemeClr val="tx1"/>
+          </a:fontRef>
+        </p:style>
+      </p:cxnSp>
+      <p:sp>
+        <p:nvSpPr>
+          <p:cNvPr id="30" name="Cylinder 29">
+            <a:extLst>
+              <a:ext uri="{FF2B5EF4-FFF2-40B4-BE49-F238E27FC236}">
+                <a16:creationId xmlns:a16="http://schemas.microsoft.com/office/drawing/2014/main" id="{4A80106B-F01F-1674-4801-EE18475D3BEB}"/>
+              </a:ext>
+            </a:extLst>
+          </p:cNvPr>
+          <p:cNvSpPr/>
+          <p:nvPr/>
+        </p:nvSpPr>
+        <p:spPr>
+          <a:xfrm>
+            <a:off x="5079492" y="5131446"/>
+            <a:ext cx="1362456" cy="1060704"/>
+          </a:xfrm>
+          <a:prstGeom prst="can">
+            <a:avLst/>
+          </a:prstGeom>
+          <a:noFill/>
+        </p:spPr>
+        <p:style>
+          <a:lnRef idx="2">
+            <a:schemeClr val="accent1">
+              <a:shade val="50000"/>
+            </a:schemeClr>
+          </a:lnRef>
+          <a:fillRef idx="1">
+            <a:schemeClr val="accent1"/>
+          </a:fillRef>
+          <a:effectRef idx="0">
+            <a:schemeClr val="accent1"/>
+          </a:effectRef>
+          <a:fontRef idx="minor">
+            <a:schemeClr val="lt1"/>
+          </a:fontRef>
+        </p:style>
+        <p:txBody>
+          <a:bodyPr rtlCol="0" anchor="ctr"/>
+          <a:lstStyle/>
+          <a:p>
+            <a:pPr algn="ctr"/>
+            <a:endParaRPr lang="es-419"/>
+          </a:p>
+        </p:txBody>
+      </p:sp>
+      <p:cxnSp>
+        <p:nvCxnSpPr>
+          <p:cNvPr id="31" name="Straight Arrow Connector 30">
+            <a:extLst>
+              <a:ext uri="{FF2B5EF4-FFF2-40B4-BE49-F238E27FC236}">
+                <a16:creationId xmlns:a16="http://schemas.microsoft.com/office/drawing/2014/main" id="{7F6AA6AE-4832-33AC-B24B-B429EEC152D4}"/>
+              </a:ext>
+            </a:extLst>
+          </p:cNvPr>
+          <p:cNvCxnSpPr>
+            <a:cxnSpLocks/>
+            <a:stCxn id="12" idx="2"/>
+            <a:endCxn id="30" idx="1"/>
+          </p:cNvCxnSpPr>
+          <p:nvPr/>
+        </p:nvCxnSpPr>
+        <p:spPr>
+          <a:xfrm flipH="1">
+            <a:off x="5760720" y="4274312"/>
+            <a:ext cx="4572" cy="857134"/>
+          </a:xfrm>
+          <a:prstGeom prst="straightConnector1">
+            <a:avLst/>
+          </a:prstGeom>
+          <a:ln>
+            <a:tailEnd type="triangle"/>
+          </a:ln>
+        </p:spPr>
+        <p:style>
+          <a:lnRef idx="1">
+            <a:schemeClr val="accent1"/>
+          </a:lnRef>
+          <a:fillRef idx="0">
+            <a:schemeClr val="accent1"/>
+          </a:fillRef>
+          <a:effectRef idx="0">
+            <a:schemeClr val="accent1"/>
+          </a:effectRef>
+          <a:fontRef idx="minor">
+            <a:schemeClr val="tx1"/>
+          </a:fontRef>
+        </p:style>
+      </p:cxnSp>
+      <p:sp>
+        <p:nvSpPr>
+          <p:cNvPr id="32" name="Cylinder 31">
+            <a:extLst>
+              <a:ext uri="{FF2B5EF4-FFF2-40B4-BE49-F238E27FC236}">
+                <a16:creationId xmlns:a16="http://schemas.microsoft.com/office/drawing/2014/main" id="{FA6F928D-97EE-C6BF-BCE7-DD046122220C}"/>
+              </a:ext>
+            </a:extLst>
+          </p:cNvPr>
+          <p:cNvSpPr/>
+          <p:nvPr/>
+        </p:nvSpPr>
+        <p:spPr>
+          <a:xfrm>
+            <a:off x="8526780" y="5131446"/>
+            <a:ext cx="1362456" cy="1060704"/>
+          </a:xfrm>
+          <a:prstGeom prst="can">
+            <a:avLst/>
+          </a:prstGeom>
+          <a:noFill/>
+        </p:spPr>
+        <p:style>
+          <a:lnRef idx="2">
+            <a:schemeClr val="accent1">
+              <a:shade val="50000"/>
+            </a:schemeClr>
+          </a:lnRef>
+          <a:fillRef idx="1">
+            <a:schemeClr val="accent1"/>
+          </a:fillRef>
+          <a:effectRef idx="0">
+            <a:schemeClr val="accent1"/>
+          </a:effectRef>
+          <a:fontRef idx="minor">
+            <a:schemeClr val="lt1"/>
+          </a:fontRef>
+        </p:style>
+        <p:txBody>
+          <a:bodyPr rtlCol="0" anchor="ctr"/>
+          <a:lstStyle/>
+          <a:p>
+            <a:pPr algn="ctr"/>
+            <a:endParaRPr lang="es-419"/>
+          </a:p>
+        </p:txBody>
+      </p:sp>
+      <p:cxnSp>
+        <p:nvCxnSpPr>
+          <p:cNvPr id="33" name="Straight Arrow Connector 32">
+            <a:extLst>
+              <a:ext uri="{FF2B5EF4-FFF2-40B4-BE49-F238E27FC236}">
+                <a16:creationId xmlns:a16="http://schemas.microsoft.com/office/drawing/2014/main" id="{B1110185-E2B7-2526-4523-2B6B8D133877}"/>
+              </a:ext>
+            </a:extLst>
+          </p:cNvPr>
+          <p:cNvCxnSpPr>
+            <a:cxnSpLocks/>
+            <a:stCxn id="20" idx="2"/>
+            <a:endCxn id="32" idx="1"/>
+          </p:cNvCxnSpPr>
+          <p:nvPr/>
+        </p:nvCxnSpPr>
+        <p:spPr>
+          <a:xfrm flipH="1">
+            <a:off x="9208008" y="4274312"/>
+            <a:ext cx="4572" cy="857134"/>
+          </a:xfrm>
+          <a:prstGeom prst="straightConnector1">
+            <a:avLst/>
+          </a:prstGeom>
+          <a:ln>
+            <a:tailEnd type="triangle"/>
+          </a:ln>
+        </p:spPr>
+        <p:style>
+          <a:lnRef idx="1">
+            <a:schemeClr val="accent1"/>
+          </a:lnRef>
+          <a:fillRef idx="0">
+            <a:schemeClr val="accent1"/>
+          </a:fillRef>
+          <a:effectRef idx="0">
+            <a:schemeClr val="accent1"/>
+          </a:effectRef>
+          <a:fontRef idx="minor">
+            <a:schemeClr val="tx1"/>
+          </a:fontRef>
+        </p:style>
+      </p:cxnSp>
+      <p:cxnSp>
+        <p:nvCxnSpPr>
+          <p:cNvPr id="34" name="Straight Connector 33">
+            <a:extLst>
+              <a:ext uri="{FF2B5EF4-FFF2-40B4-BE49-F238E27FC236}">
+                <a16:creationId xmlns:a16="http://schemas.microsoft.com/office/drawing/2014/main" id="{7E37EFEF-E90B-CEE2-7659-6EBA4616A7F3}"/>
+              </a:ext>
+            </a:extLst>
+          </p:cNvPr>
+          <p:cNvCxnSpPr/>
+          <p:nvPr/>
+        </p:nvCxnSpPr>
+        <p:spPr>
+          <a:xfrm>
+            <a:off x="3465576" y="2299208"/>
+            <a:ext cx="1147572" cy="0"/>
+          </a:xfrm>
+          <a:prstGeom prst="line">
+            <a:avLst/>
+          </a:prstGeom>
+        </p:spPr>
+        <p:style>
+          <a:lnRef idx="1">
+            <a:schemeClr val="accent1"/>
+          </a:lnRef>
+          <a:fillRef idx="0">
+            <a:schemeClr val="accent1"/>
+          </a:fillRef>
+          <a:effectRef idx="0">
+            <a:schemeClr val="accent1"/>
+          </a:effectRef>
+          <a:fontRef idx="minor">
+            <a:schemeClr val="tx1"/>
+          </a:fontRef>
+        </p:style>
+      </p:cxnSp>
+      <p:cxnSp>
+        <p:nvCxnSpPr>
+          <p:cNvPr id="35" name="Straight Connector 34">
+            <a:extLst>
+              <a:ext uri="{FF2B5EF4-FFF2-40B4-BE49-F238E27FC236}">
+                <a16:creationId xmlns:a16="http://schemas.microsoft.com/office/drawing/2014/main" id="{DC5682F7-B2FC-1031-FB71-9A2EE206E684}"/>
+              </a:ext>
+            </a:extLst>
+          </p:cNvPr>
+          <p:cNvCxnSpPr/>
+          <p:nvPr/>
+        </p:nvCxnSpPr>
+        <p:spPr>
+          <a:xfrm>
+            <a:off x="6917436" y="2299208"/>
+            <a:ext cx="1143000" cy="0"/>
+          </a:xfrm>
+          <a:prstGeom prst="line">
+            <a:avLst/>
+          </a:prstGeom>
+        </p:spPr>
+        <p:style>
+          <a:lnRef idx="1">
+            <a:schemeClr val="accent1"/>
+          </a:lnRef>
+          <a:fillRef idx="0">
+            <a:schemeClr val="accent1"/>
+          </a:fillRef>
+          <a:effectRef idx="0">
+            <a:schemeClr val="accent1"/>
+          </a:effectRef>
+          <a:fontRef idx="minor">
+            <a:schemeClr val="tx1"/>
+          </a:fontRef>
+        </p:style>
+      </p:cxnSp>
+      <p:sp>
+        <p:nvSpPr>
+          <p:cNvPr id="36" name="Cylinder 35">
+            <a:extLst>
+              <a:ext uri="{FF2B5EF4-FFF2-40B4-BE49-F238E27FC236}">
+                <a16:creationId xmlns:a16="http://schemas.microsoft.com/office/drawing/2014/main" id="{8AD41E61-C84C-C188-5A30-CE4127CB5439}"/>
+              </a:ext>
+            </a:extLst>
+          </p:cNvPr>
+          <p:cNvSpPr/>
+          <p:nvPr/>
+        </p:nvSpPr>
+        <p:spPr>
+          <a:xfrm>
+            <a:off x="1002099" y="4546045"/>
+            <a:ext cx="9832155" cy="1919409"/>
+          </a:xfrm>
+          <a:prstGeom prst="can">
+            <a:avLst/>
+          </a:prstGeom>
+          <a:noFill/>
+        </p:spPr>
+        <p:style>
+          <a:lnRef idx="2">
+            <a:schemeClr val="accent1">
+              <a:shade val="50000"/>
+            </a:schemeClr>
+          </a:lnRef>
+          <a:fillRef idx="1">
+            <a:schemeClr val="accent1"/>
+          </a:fillRef>
+          <a:effectRef idx="0">
+            <a:schemeClr val="accent1"/>
+          </a:effectRef>
+          <a:fontRef idx="minor">
+            <a:schemeClr val="lt1"/>
+          </a:fontRef>
+        </p:style>
+        <p:txBody>
+          <a:bodyPr rtlCol="0" anchor="ctr"/>
+          <a:lstStyle/>
+          <a:p>
+            <a:pPr algn="ctr"/>
+            <a:endParaRPr lang="es-419"/>
+          </a:p>
+        </p:txBody>
+      </p:sp>
+    </p:spTree>
+    <p:extLst>
+      <p:ext uri="{BB962C8B-B14F-4D97-AF65-F5344CB8AC3E}">
+        <p14:creationId xmlns:p14="http://schemas.microsoft.com/office/powerpoint/2010/main" val="1062791906"/>
+      </p:ext>
+    </p:extLst>
+  </p:cSld>
+  <p:clrMapOvr>
+    <a:masterClrMapping/>
+  </p:clrMapOvr>
+</p:sld>
+</file>
+
+<file path=ppt/slides/slide3.xml><?xml version="1.0" encoding="utf-8"?>
+<p:sld xmlns:a="http://schemas.openxmlformats.org/drawingml/2006/main" xmlns:r="http://schemas.openxmlformats.org/officeDocument/2006/relationships" xmlns:p="http://schemas.openxmlformats.org/presentationml/2006/main">
+  <p:cSld>
+    <p:spTree>
+      <p:nvGrpSpPr>
+        <p:cNvPr id="1" name=""/>
+        <p:cNvGrpSpPr/>
+        <p:nvPr/>
+      </p:nvGrpSpPr>
+      <p:grpSpPr>
+        <a:xfrm>
+          <a:off x="0" y="0"/>
+          <a:ext cx="0" cy="0"/>
+          <a:chOff x="0" y="0"/>
+          <a:chExt cx="0" cy="0"/>
+        </a:xfrm>
+      </p:grpSpPr>
+      <p:sp>
+        <p:nvSpPr>
+          <p:cNvPr id="4" name="Hexagon 3">
+            <a:extLst>
+              <a:ext uri="{FF2B5EF4-FFF2-40B4-BE49-F238E27FC236}">
+                <a16:creationId xmlns:a16="http://schemas.microsoft.com/office/drawing/2014/main" id="{A976D7BB-D057-97AC-A3BA-B12B4C18979A}"/>
+              </a:ext>
+            </a:extLst>
+          </p:cNvPr>
+          <p:cNvSpPr/>
+          <p:nvPr/>
+        </p:nvSpPr>
+        <p:spPr>
+          <a:xfrm>
+            <a:off x="964738" y="2948940"/>
+            <a:ext cx="567477" cy="489204"/>
+          </a:xfrm>
+          <a:prstGeom prst="hexagon">
+            <a:avLst/>
+          </a:prstGeom>
+          <a:noFill/>
+        </p:spPr>
+        <p:style>
+          <a:lnRef idx="2">
+            <a:schemeClr val="accent1">
+              <a:shade val="50000"/>
+            </a:schemeClr>
+          </a:lnRef>
+          <a:fillRef idx="1">
+            <a:schemeClr val="accent1"/>
+          </a:fillRef>
+          <a:effectRef idx="0">
+            <a:schemeClr val="accent1"/>
+          </a:effectRef>
+          <a:fontRef idx="minor">
+            <a:schemeClr val="lt1"/>
+          </a:fontRef>
+        </p:style>
+        <p:txBody>
+          <a:bodyPr rtlCol="0" anchor="ctr"/>
+          <a:lstStyle/>
+          <a:p>
+            <a:pPr algn="ctr"/>
+            <a:endParaRPr lang="es-419"/>
+          </a:p>
+        </p:txBody>
+      </p:sp>
+      <p:sp>
+        <p:nvSpPr>
+          <p:cNvPr id="5" name="Hexagon 4">
+            <a:extLst>
+              <a:ext uri="{FF2B5EF4-FFF2-40B4-BE49-F238E27FC236}">
+                <a16:creationId xmlns:a16="http://schemas.microsoft.com/office/drawing/2014/main" id="{3F433473-3855-E66E-0246-3F9C76FF27F9}"/>
+              </a:ext>
+            </a:extLst>
+          </p:cNvPr>
+          <p:cNvSpPr/>
+          <p:nvPr/>
+        </p:nvSpPr>
+        <p:spPr>
+          <a:xfrm>
+            <a:off x="1668826" y="2948940"/>
+            <a:ext cx="567477" cy="489204"/>
+          </a:xfrm>
+          <a:prstGeom prst="hexagon">
+            <a:avLst/>
+          </a:prstGeom>
+          <a:noFill/>
+        </p:spPr>
+        <p:style>
+          <a:lnRef idx="2">
+            <a:schemeClr val="accent1">
+              <a:shade val="50000"/>
+            </a:schemeClr>
+          </a:lnRef>
+          <a:fillRef idx="1">
+            <a:schemeClr val="accent1"/>
+          </a:fillRef>
+          <a:effectRef idx="0">
+            <a:schemeClr val="accent1"/>
+          </a:effectRef>
+          <a:fontRef idx="minor">
+            <a:schemeClr val="lt1"/>
+          </a:fontRef>
+        </p:style>
+        <p:txBody>
+          <a:bodyPr rtlCol="0" anchor="ctr"/>
+          <a:lstStyle/>
+          <a:p>
+            <a:pPr algn="ctr"/>
+            <a:endParaRPr lang="es-419"/>
+          </a:p>
+        </p:txBody>
+      </p:sp>
+      <p:sp>
+        <p:nvSpPr>
+          <p:cNvPr id="6" name="Hexagon 5">
+            <a:extLst>
+              <a:ext uri="{FF2B5EF4-FFF2-40B4-BE49-F238E27FC236}">
+                <a16:creationId xmlns:a16="http://schemas.microsoft.com/office/drawing/2014/main" id="{5A173632-B1B4-8D83-F77A-89419A7EFE11}"/>
+              </a:ext>
+            </a:extLst>
+          </p:cNvPr>
+          <p:cNvSpPr/>
+          <p:nvPr/>
+        </p:nvSpPr>
+        <p:spPr>
+          <a:xfrm>
+            <a:off x="2372914" y="2948940"/>
+            <a:ext cx="567477" cy="489204"/>
+          </a:xfrm>
+          <a:prstGeom prst="hexagon">
+            <a:avLst/>
+          </a:prstGeom>
+          <a:noFill/>
+        </p:spPr>
+        <p:style>
+          <a:lnRef idx="2">
+            <a:schemeClr val="accent1">
+              <a:shade val="50000"/>
+            </a:schemeClr>
+          </a:lnRef>
+          <a:fillRef idx="1">
+            <a:schemeClr val="accent1"/>
+          </a:fillRef>
+          <a:effectRef idx="0">
+            <a:schemeClr val="accent1"/>
+          </a:effectRef>
+          <a:fontRef idx="minor">
+            <a:schemeClr val="lt1"/>
+          </a:fontRef>
+        </p:style>
+        <p:txBody>
+          <a:bodyPr rtlCol="0" anchor="ctr"/>
+          <a:lstStyle/>
+          <a:p>
+            <a:pPr algn="ctr"/>
+            <a:endParaRPr lang="es-419"/>
+          </a:p>
+        </p:txBody>
+      </p:sp>
+      <p:sp>
+        <p:nvSpPr>
+          <p:cNvPr id="7" name="Hexagon 6">
+            <a:extLst>
+              <a:ext uri="{FF2B5EF4-FFF2-40B4-BE49-F238E27FC236}">
+                <a16:creationId xmlns:a16="http://schemas.microsoft.com/office/drawing/2014/main" id="{D5936213-B0F4-6288-F83F-9DE75862B05A}"/>
+              </a:ext>
+            </a:extLst>
+          </p:cNvPr>
+          <p:cNvSpPr/>
+          <p:nvPr/>
+        </p:nvSpPr>
+        <p:spPr>
+          <a:xfrm>
+            <a:off x="3077002" y="2948940"/>
+            <a:ext cx="567477" cy="489204"/>
+          </a:xfrm>
+          <a:prstGeom prst="hexagon">
+            <a:avLst/>
+          </a:prstGeom>
+          <a:noFill/>
+        </p:spPr>
+        <p:style>
+          <a:lnRef idx="2">
+            <a:schemeClr val="accent1">
+              <a:shade val="50000"/>
+            </a:schemeClr>
+          </a:lnRef>
+          <a:fillRef idx="1">
+            <a:schemeClr val="accent1"/>
+          </a:fillRef>
+          <a:effectRef idx="0">
+            <a:schemeClr val="accent1"/>
+          </a:effectRef>
+          <a:fontRef idx="minor">
+            <a:schemeClr val="lt1"/>
+          </a:fontRef>
+        </p:style>
+        <p:txBody>
+          <a:bodyPr rtlCol="0" anchor="ctr"/>
+          <a:lstStyle/>
+          <a:p>
+            <a:pPr algn="ctr"/>
+            <a:endParaRPr lang="es-419"/>
+          </a:p>
+        </p:txBody>
+      </p:sp>
+      <p:sp>
+        <p:nvSpPr>
+          <p:cNvPr id="8" name="Hexagon 7">
+            <a:extLst>
+              <a:ext uri="{FF2B5EF4-FFF2-40B4-BE49-F238E27FC236}">
+                <a16:creationId xmlns:a16="http://schemas.microsoft.com/office/drawing/2014/main" id="{01553F5D-6A76-9E44-B850-CD51FDB7C8E0}"/>
+              </a:ext>
+            </a:extLst>
+          </p:cNvPr>
+          <p:cNvSpPr/>
+          <p:nvPr/>
+        </p:nvSpPr>
+        <p:spPr>
+          <a:xfrm>
+            <a:off x="3781090" y="2948940"/>
+            <a:ext cx="567477" cy="489204"/>
+          </a:xfrm>
+          <a:prstGeom prst="hexagon">
+            <a:avLst/>
+          </a:prstGeom>
+          <a:noFill/>
+        </p:spPr>
+        <p:style>
+          <a:lnRef idx="2">
+            <a:schemeClr val="accent1">
+              <a:shade val="50000"/>
+            </a:schemeClr>
+          </a:lnRef>
+          <a:fillRef idx="1">
+            <a:schemeClr val="accent1"/>
+          </a:fillRef>
+          <a:effectRef idx="0">
+            <a:schemeClr val="accent1"/>
+          </a:effectRef>
+          <a:fontRef idx="minor">
+            <a:schemeClr val="lt1"/>
+          </a:fontRef>
+        </p:style>
+        <p:txBody>
+          <a:bodyPr rtlCol="0" anchor="ctr"/>
+          <a:lstStyle/>
+          <a:p>
+            <a:pPr algn="ctr"/>
+            <a:endParaRPr lang="es-419"/>
+          </a:p>
+        </p:txBody>
+      </p:sp>
+      <p:sp>
+        <p:nvSpPr>
+          <p:cNvPr id="9" name="Hexagon 8">
+            <a:extLst>
+              <a:ext uri="{FF2B5EF4-FFF2-40B4-BE49-F238E27FC236}">
+                <a16:creationId xmlns:a16="http://schemas.microsoft.com/office/drawing/2014/main" id="{C3F72714-FD5C-2B19-19C8-A0D8B8215EBB}"/>
+              </a:ext>
+            </a:extLst>
+          </p:cNvPr>
+          <p:cNvSpPr/>
+          <p:nvPr/>
+        </p:nvSpPr>
+        <p:spPr>
+          <a:xfrm>
+            <a:off x="4485178" y="2948940"/>
+            <a:ext cx="567477" cy="489204"/>
+          </a:xfrm>
+          <a:prstGeom prst="hexagon">
+            <a:avLst/>
+          </a:prstGeom>
+          <a:noFill/>
+        </p:spPr>
+        <p:style>
+          <a:lnRef idx="2">
+            <a:schemeClr val="accent1">
+              <a:shade val="50000"/>
+            </a:schemeClr>
+          </a:lnRef>
+          <a:fillRef idx="1">
+            <a:schemeClr val="accent1"/>
+          </a:fillRef>
+          <a:effectRef idx="0">
+            <a:schemeClr val="accent1"/>
+          </a:effectRef>
+          <a:fontRef idx="minor">
+            <a:schemeClr val="lt1"/>
+          </a:fontRef>
+        </p:style>
+        <p:txBody>
+          <a:bodyPr rtlCol="0" anchor="ctr"/>
+          <a:lstStyle/>
+          <a:p>
+            <a:pPr algn="ctr"/>
+            <a:endParaRPr lang="es-419"/>
+          </a:p>
+        </p:txBody>
+      </p:sp>
+      <p:sp>
+        <p:nvSpPr>
+          <p:cNvPr id="10" name="Rectangle: Rounded Corners 9">
+            <a:extLst>
+              <a:ext uri="{FF2B5EF4-FFF2-40B4-BE49-F238E27FC236}">
+                <a16:creationId xmlns:a16="http://schemas.microsoft.com/office/drawing/2014/main" id="{4F0B2F4F-5E61-0FF6-A38A-2A98DC0492C9}"/>
+              </a:ext>
+            </a:extLst>
+          </p:cNvPr>
+          <p:cNvSpPr/>
+          <p:nvPr/>
+        </p:nvSpPr>
+        <p:spPr>
+          <a:xfrm>
+            <a:off x="662986" y="2560320"/>
+            <a:ext cx="4764024" cy="1129284"/>
+          </a:xfrm>
+          <a:prstGeom prst="roundRect">
+            <a:avLst/>
+          </a:prstGeom>
+          <a:noFill/>
+        </p:spPr>
+        <p:style>
+          <a:lnRef idx="2">
+            <a:schemeClr val="accent1">
+              <a:shade val="50000"/>
+            </a:schemeClr>
+          </a:lnRef>
+          <a:fillRef idx="1">
+            <a:schemeClr val="accent1"/>
+          </a:fillRef>
+          <a:effectRef idx="0">
+            <a:schemeClr val="accent1"/>
+          </a:effectRef>
+          <a:fontRef idx="minor">
+            <a:schemeClr val="lt1"/>
+          </a:fontRef>
+        </p:style>
+        <p:txBody>
+          <a:bodyPr rtlCol="0" anchor="ctr"/>
+          <a:lstStyle/>
+          <a:p>
+            <a:pPr algn="ctr"/>
+            <a:endParaRPr lang="es-419"/>
+          </a:p>
+        </p:txBody>
+      </p:sp>
+      <p:sp>
+        <p:nvSpPr>
+          <p:cNvPr id="11" name="Rectangle: Rounded Corners 10">
+            <a:extLst>
+              <a:ext uri="{FF2B5EF4-FFF2-40B4-BE49-F238E27FC236}">
+                <a16:creationId xmlns:a16="http://schemas.microsoft.com/office/drawing/2014/main" id="{D626B574-4318-1270-CEB9-9979D29485F8}"/>
+              </a:ext>
+            </a:extLst>
+          </p:cNvPr>
+          <p:cNvSpPr/>
+          <p:nvPr/>
+        </p:nvSpPr>
+        <p:spPr>
+          <a:xfrm>
+            <a:off x="580690" y="5340096"/>
+            <a:ext cx="969264" cy="630936"/>
+          </a:xfrm>
+          <a:prstGeom prst="roundRect">
+            <a:avLst/>
+          </a:prstGeom>
+          <a:noFill/>
+        </p:spPr>
+        <p:style>
+          <a:lnRef idx="2">
+            <a:schemeClr val="accent1">
+              <a:shade val="50000"/>
+            </a:schemeClr>
+          </a:lnRef>
+          <a:fillRef idx="1">
+            <a:schemeClr val="accent1"/>
+          </a:fillRef>
+          <a:effectRef idx="0">
+            <a:schemeClr val="accent1"/>
+          </a:effectRef>
+          <a:fontRef idx="minor">
+            <a:schemeClr val="lt1"/>
+          </a:fontRef>
+        </p:style>
+        <p:txBody>
+          <a:bodyPr rtlCol="0" anchor="ctr"/>
+          <a:lstStyle/>
+          <a:p>
+            <a:pPr algn="ctr"/>
+            <a:endParaRPr lang="es-419"/>
+          </a:p>
+        </p:txBody>
+      </p:sp>
+      <p:sp>
+        <p:nvSpPr>
+          <p:cNvPr id="12" name="Parallelogram 11">
+            <a:extLst>
+              <a:ext uri="{FF2B5EF4-FFF2-40B4-BE49-F238E27FC236}">
+                <a16:creationId xmlns:a16="http://schemas.microsoft.com/office/drawing/2014/main" id="{9384893E-2927-DAF2-D68C-56BA4B9B6725}"/>
+              </a:ext>
+            </a:extLst>
+          </p:cNvPr>
+          <p:cNvSpPr/>
+          <p:nvPr/>
+        </p:nvSpPr>
+        <p:spPr>
+          <a:xfrm>
+            <a:off x="544114" y="6039612"/>
+            <a:ext cx="1005840" cy="210312"/>
+          </a:xfrm>
+          <a:prstGeom prst="parallelogram">
+            <a:avLst/>
+          </a:prstGeom>
+          <a:noFill/>
+        </p:spPr>
+        <p:style>
+          <a:lnRef idx="2">
+            <a:schemeClr val="accent1">
+              <a:shade val="50000"/>
+            </a:schemeClr>
+          </a:lnRef>
+          <a:fillRef idx="1">
+            <a:schemeClr val="accent1"/>
+          </a:fillRef>
+          <a:effectRef idx="0">
+            <a:schemeClr val="accent1"/>
+          </a:effectRef>
+          <a:fontRef idx="minor">
+            <a:schemeClr val="lt1"/>
+          </a:fontRef>
+        </p:style>
+        <p:txBody>
+          <a:bodyPr rtlCol="0" anchor="ctr"/>
+          <a:lstStyle/>
+          <a:p>
+            <a:pPr algn="ctr"/>
+            <a:endParaRPr lang="es-419"/>
+          </a:p>
+        </p:txBody>
+      </p:sp>
+      <p:sp>
+        <p:nvSpPr>
+          <p:cNvPr id="13" name="Rectangle: Rounded Corners 12">
+            <a:extLst>
+              <a:ext uri="{FF2B5EF4-FFF2-40B4-BE49-F238E27FC236}">
+                <a16:creationId xmlns:a16="http://schemas.microsoft.com/office/drawing/2014/main" id="{0360E0A2-8A4E-F17B-9D63-A45AC89527EF}"/>
+              </a:ext>
+            </a:extLst>
+          </p:cNvPr>
+          <p:cNvSpPr/>
+          <p:nvPr/>
+        </p:nvSpPr>
+        <p:spPr>
+          <a:xfrm>
+            <a:off x="580690" y="5340096"/>
+            <a:ext cx="969264" cy="630936"/>
+          </a:xfrm>
+          <a:prstGeom prst="roundRect">
+            <a:avLst/>
+          </a:prstGeom>
+          <a:noFill/>
+        </p:spPr>
+        <p:style>
+          <a:lnRef idx="2">
+            <a:schemeClr val="accent1">
+              <a:shade val="50000"/>
+            </a:schemeClr>
+          </a:lnRef>
+          <a:fillRef idx="1">
+            <a:schemeClr val="accent1"/>
+          </a:fillRef>
+          <a:effectRef idx="0">
+            <a:schemeClr val="accent1"/>
+          </a:effectRef>
+          <a:fontRef idx="minor">
+            <a:schemeClr val="lt1"/>
+          </a:fontRef>
+        </p:style>
+        <p:txBody>
+          <a:bodyPr rtlCol="0" anchor="ctr"/>
+          <a:lstStyle/>
+          <a:p>
+            <a:pPr algn="ctr"/>
+            <a:endParaRPr lang="es-419"/>
+          </a:p>
+        </p:txBody>
+      </p:sp>
+      <p:sp>
+        <p:nvSpPr>
+          <p:cNvPr id="14" name="Parallelogram 13">
+            <a:extLst>
+              <a:ext uri="{FF2B5EF4-FFF2-40B4-BE49-F238E27FC236}">
+                <a16:creationId xmlns:a16="http://schemas.microsoft.com/office/drawing/2014/main" id="{B3298AA6-A00D-EFAA-85D5-80A2F8C6205D}"/>
+              </a:ext>
+            </a:extLst>
+          </p:cNvPr>
+          <p:cNvSpPr/>
+          <p:nvPr/>
+        </p:nvSpPr>
+        <p:spPr>
+          <a:xfrm>
+            <a:off x="544114" y="6039612"/>
+            <a:ext cx="1005840" cy="210312"/>
+          </a:xfrm>
+          <a:prstGeom prst="parallelogram">
+            <a:avLst/>
+          </a:prstGeom>
+          <a:noFill/>
+        </p:spPr>
+        <p:style>
+          <a:lnRef idx="2">
+            <a:schemeClr val="accent1">
+              <a:shade val="50000"/>
+            </a:schemeClr>
+          </a:lnRef>
+          <a:fillRef idx="1">
+            <a:schemeClr val="accent1"/>
+          </a:fillRef>
+          <a:effectRef idx="0">
+            <a:schemeClr val="accent1"/>
+          </a:effectRef>
+          <a:fontRef idx="minor">
+            <a:schemeClr val="lt1"/>
+          </a:fontRef>
+        </p:style>
+        <p:txBody>
+          <a:bodyPr rtlCol="0" anchor="ctr"/>
+          <a:lstStyle/>
+          <a:p>
+            <a:pPr algn="ctr"/>
+            <a:endParaRPr lang="es-419"/>
+          </a:p>
+        </p:txBody>
+      </p:sp>
+      <p:cxnSp>
+        <p:nvCxnSpPr>
+          <p:cNvPr id="15" name="Connector: Elbow 14">
+            <a:extLst>
+              <a:ext uri="{FF2B5EF4-FFF2-40B4-BE49-F238E27FC236}">
+                <a16:creationId xmlns:a16="http://schemas.microsoft.com/office/drawing/2014/main" id="{B97AFD4A-741D-D716-6536-2EDC0C79DF22}"/>
+              </a:ext>
+            </a:extLst>
+          </p:cNvPr>
+          <p:cNvCxnSpPr/>
+          <p:nvPr/>
+        </p:nvCxnSpPr>
+        <p:spPr>
+          <a:xfrm flipV="1">
+            <a:off x="1549954" y="4322826"/>
+            <a:ext cx="1495044" cy="1332738"/>
+          </a:xfrm>
+          <a:prstGeom prst="bentConnector2">
+            <a:avLst/>
+          </a:prstGeom>
+          <a:ln>
+            <a:tailEnd type="triangle"/>
+          </a:ln>
+        </p:spPr>
+        <p:style>
+          <a:lnRef idx="1">
+            <a:schemeClr val="accent1"/>
+          </a:lnRef>
+          <a:fillRef idx="0">
+            <a:schemeClr val="accent1"/>
+          </a:fillRef>
+          <a:effectRef idx="0">
+            <a:schemeClr val="accent1"/>
+          </a:effectRef>
+          <a:fontRef idx="minor">
+            <a:schemeClr val="tx1"/>
+          </a:fontRef>
+        </p:style>
+      </p:cxnSp>
+      <p:cxnSp>
+        <p:nvCxnSpPr>
+          <p:cNvPr id="16" name="Straight Connector 15">
+            <a:extLst>
+              <a:ext uri="{FF2B5EF4-FFF2-40B4-BE49-F238E27FC236}">
+                <a16:creationId xmlns:a16="http://schemas.microsoft.com/office/drawing/2014/main" id="{B3025BD1-348D-67BE-D664-C774BF8A96F7}"/>
+              </a:ext>
+            </a:extLst>
+          </p:cNvPr>
+          <p:cNvCxnSpPr>
+            <a:cxnSpLocks/>
+          </p:cNvCxnSpPr>
+          <p:nvPr/>
+        </p:nvCxnSpPr>
+        <p:spPr>
+          <a:xfrm>
+            <a:off x="3044998" y="3689604"/>
+            <a:ext cx="0" cy="249174"/>
+          </a:xfrm>
+          <a:prstGeom prst="line">
+            <a:avLst/>
+          </a:prstGeom>
+        </p:spPr>
+        <p:style>
+          <a:lnRef idx="1">
+            <a:schemeClr val="accent1"/>
+          </a:lnRef>
+          <a:fillRef idx="0">
+            <a:schemeClr val="accent1"/>
+          </a:fillRef>
+          <a:effectRef idx="0">
+            <a:schemeClr val="accent1"/>
+          </a:effectRef>
+          <a:fontRef idx="minor">
+            <a:schemeClr val="tx1"/>
+          </a:fontRef>
+        </p:style>
+      </p:cxnSp>
+      <p:sp>
+        <p:nvSpPr>
+          <p:cNvPr id="49" name="Rectangle: Rounded Corners 48">
+            <a:extLst>
+              <a:ext uri="{FF2B5EF4-FFF2-40B4-BE49-F238E27FC236}">
+                <a16:creationId xmlns:a16="http://schemas.microsoft.com/office/drawing/2014/main" id="{63217C05-243A-80C0-15B3-86E3AD575D66}"/>
+              </a:ext>
+            </a:extLst>
+          </p:cNvPr>
+          <p:cNvSpPr/>
+          <p:nvPr/>
+        </p:nvSpPr>
+        <p:spPr>
+          <a:xfrm>
+            <a:off x="662986" y="1575054"/>
+            <a:ext cx="4764024" cy="384048"/>
+          </a:xfrm>
+          <a:prstGeom prst="roundRect">
+            <a:avLst/>
+          </a:prstGeom>
+          <a:noFill/>
+        </p:spPr>
+        <p:style>
+          <a:lnRef idx="2">
+            <a:schemeClr val="accent1">
+              <a:shade val="50000"/>
+            </a:schemeClr>
+          </a:lnRef>
+          <a:fillRef idx="1">
+            <a:schemeClr val="accent1"/>
+          </a:fillRef>
+          <a:effectRef idx="0">
+            <a:schemeClr val="accent1"/>
+          </a:effectRef>
+          <a:fontRef idx="minor">
+            <a:schemeClr val="lt1"/>
+          </a:fontRef>
+        </p:style>
+        <p:txBody>
+          <a:bodyPr rtlCol="0" anchor="ctr"/>
+          <a:lstStyle/>
+          <a:p>
+            <a:pPr algn="ctr"/>
+            <a:r>
+              <a:rPr lang="es-419">
+                <a:solidFill>
+                  <a:schemeClr val="tx1"/>
+                </a:solidFill>
+              </a:rPr>
+              <a:t>Enterpirse Services Bus (ESB)</a:t>
+            </a:r>
+            <a:endParaRPr lang="es-419" dirty="0">
+              <a:solidFill>
+                <a:schemeClr val="tx1"/>
+              </a:solidFill>
+            </a:endParaRPr>
+          </a:p>
+        </p:txBody>
+      </p:sp>
+      <p:cxnSp>
+        <p:nvCxnSpPr>
+          <p:cNvPr id="50" name="Straight Connector 49">
+            <a:extLst>
+              <a:ext uri="{FF2B5EF4-FFF2-40B4-BE49-F238E27FC236}">
+                <a16:creationId xmlns:a16="http://schemas.microsoft.com/office/drawing/2014/main" id="{1178CFBA-7FB6-48FC-86DF-5F130A24DDF5}"/>
+              </a:ext>
+            </a:extLst>
+          </p:cNvPr>
+          <p:cNvCxnSpPr>
+            <a:cxnSpLocks/>
+          </p:cNvCxnSpPr>
+          <p:nvPr/>
+        </p:nvCxnSpPr>
+        <p:spPr>
+          <a:xfrm flipV="1">
+            <a:off x="1248476" y="1959102"/>
+            <a:ext cx="0" cy="962406"/>
+          </a:xfrm>
+          <a:prstGeom prst="line">
+            <a:avLst/>
+          </a:prstGeom>
+        </p:spPr>
+        <p:style>
+          <a:lnRef idx="1">
+            <a:schemeClr val="accent1"/>
+          </a:lnRef>
+          <a:fillRef idx="0">
+            <a:schemeClr val="accent1"/>
+          </a:fillRef>
+          <a:effectRef idx="0">
+            <a:schemeClr val="accent1"/>
+          </a:effectRef>
+          <a:fontRef idx="minor">
+            <a:schemeClr val="tx1"/>
+          </a:fontRef>
+        </p:style>
+      </p:cxnSp>
+      <p:cxnSp>
+        <p:nvCxnSpPr>
+          <p:cNvPr id="51" name="Straight Connector 50">
+            <a:extLst>
+              <a:ext uri="{FF2B5EF4-FFF2-40B4-BE49-F238E27FC236}">
+                <a16:creationId xmlns:a16="http://schemas.microsoft.com/office/drawing/2014/main" id="{6FC2E592-FCA3-0ED3-82D6-67F112AF2989}"/>
+              </a:ext>
+            </a:extLst>
+          </p:cNvPr>
+          <p:cNvCxnSpPr>
+            <a:cxnSpLocks/>
+          </p:cNvCxnSpPr>
+          <p:nvPr/>
+        </p:nvCxnSpPr>
+        <p:spPr>
+          <a:xfrm flipV="1">
+            <a:off x="1952564" y="1959102"/>
+            <a:ext cx="0" cy="989838"/>
+          </a:xfrm>
+          <a:prstGeom prst="line">
+            <a:avLst/>
+          </a:prstGeom>
+        </p:spPr>
+        <p:style>
+          <a:lnRef idx="1">
+            <a:schemeClr val="accent1"/>
+          </a:lnRef>
+          <a:fillRef idx="0">
+            <a:schemeClr val="accent1"/>
+          </a:fillRef>
+          <a:effectRef idx="0">
+            <a:schemeClr val="accent1"/>
+          </a:effectRef>
+          <a:fontRef idx="minor">
+            <a:schemeClr val="tx1"/>
+          </a:fontRef>
+        </p:style>
+      </p:cxnSp>
+      <p:cxnSp>
+        <p:nvCxnSpPr>
+          <p:cNvPr id="52" name="Straight Connector 51">
+            <a:extLst>
+              <a:ext uri="{FF2B5EF4-FFF2-40B4-BE49-F238E27FC236}">
+                <a16:creationId xmlns:a16="http://schemas.microsoft.com/office/drawing/2014/main" id="{CFC826C6-2670-866D-E11C-EC1B9CED4619}"/>
+              </a:ext>
+            </a:extLst>
+          </p:cNvPr>
+          <p:cNvCxnSpPr>
+            <a:cxnSpLocks/>
+          </p:cNvCxnSpPr>
+          <p:nvPr/>
+        </p:nvCxnSpPr>
+        <p:spPr>
+          <a:xfrm flipV="1">
+            <a:off x="2656652" y="1959102"/>
+            <a:ext cx="0" cy="989838"/>
+          </a:xfrm>
+          <a:prstGeom prst="line">
+            <a:avLst/>
+          </a:prstGeom>
+        </p:spPr>
+        <p:style>
+          <a:lnRef idx="1">
+            <a:schemeClr val="accent1"/>
+          </a:lnRef>
+          <a:fillRef idx="0">
+            <a:schemeClr val="accent1"/>
+          </a:fillRef>
+          <a:effectRef idx="0">
+            <a:schemeClr val="accent1"/>
+          </a:effectRef>
+          <a:fontRef idx="minor">
+            <a:schemeClr val="tx1"/>
+          </a:fontRef>
+        </p:style>
+      </p:cxnSp>
+      <p:cxnSp>
+        <p:nvCxnSpPr>
+          <p:cNvPr id="53" name="Straight Connector 52">
+            <a:extLst>
+              <a:ext uri="{FF2B5EF4-FFF2-40B4-BE49-F238E27FC236}">
+                <a16:creationId xmlns:a16="http://schemas.microsoft.com/office/drawing/2014/main" id="{E5C710DB-15C7-A879-846B-7D9CA545A43C}"/>
+              </a:ext>
+            </a:extLst>
+          </p:cNvPr>
+          <p:cNvCxnSpPr>
+            <a:cxnSpLocks/>
+          </p:cNvCxnSpPr>
+          <p:nvPr/>
+        </p:nvCxnSpPr>
+        <p:spPr>
+          <a:xfrm flipV="1">
+            <a:off x="3360740" y="1959102"/>
+            <a:ext cx="0" cy="989838"/>
+          </a:xfrm>
+          <a:prstGeom prst="line">
+            <a:avLst/>
+          </a:prstGeom>
+        </p:spPr>
+        <p:style>
+          <a:lnRef idx="1">
+            <a:schemeClr val="accent1"/>
+          </a:lnRef>
+          <a:fillRef idx="0">
+            <a:schemeClr val="accent1"/>
+          </a:fillRef>
+          <a:effectRef idx="0">
+            <a:schemeClr val="accent1"/>
+          </a:effectRef>
+          <a:fontRef idx="minor">
+            <a:schemeClr val="tx1"/>
+          </a:fontRef>
+        </p:style>
+      </p:cxnSp>
+      <p:cxnSp>
+        <p:nvCxnSpPr>
+          <p:cNvPr id="54" name="Straight Connector 53">
+            <a:extLst>
+              <a:ext uri="{FF2B5EF4-FFF2-40B4-BE49-F238E27FC236}">
+                <a16:creationId xmlns:a16="http://schemas.microsoft.com/office/drawing/2014/main" id="{53102101-D4DA-5839-D9DF-F800392D8C81}"/>
+              </a:ext>
+            </a:extLst>
+          </p:cNvPr>
+          <p:cNvCxnSpPr>
+            <a:cxnSpLocks/>
+          </p:cNvCxnSpPr>
+          <p:nvPr/>
+        </p:nvCxnSpPr>
+        <p:spPr>
+          <a:xfrm flipV="1">
+            <a:off x="4064828" y="1959102"/>
+            <a:ext cx="0" cy="989838"/>
+          </a:xfrm>
+          <a:prstGeom prst="line">
+            <a:avLst/>
+          </a:prstGeom>
+        </p:spPr>
+        <p:style>
+          <a:lnRef idx="1">
+            <a:schemeClr val="accent1"/>
+          </a:lnRef>
+          <a:fillRef idx="0">
+            <a:schemeClr val="accent1"/>
+          </a:fillRef>
+          <a:effectRef idx="0">
+            <a:schemeClr val="accent1"/>
+          </a:effectRef>
+          <a:fontRef idx="minor">
+            <a:schemeClr val="tx1"/>
+          </a:fontRef>
+        </p:style>
+      </p:cxnSp>
+      <p:cxnSp>
+        <p:nvCxnSpPr>
+          <p:cNvPr id="55" name="Straight Connector 54">
+            <a:extLst>
+              <a:ext uri="{FF2B5EF4-FFF2-40B4-BE49-F238E27FC236}">
+                <a16:creationId xmlns:a16="http://schemas.microsoft.com/office/drawing/2014/main" id="{12DA95B9-B3E8-E19C-B60F-D58FB1E303EC}"/>
+              </a:ext>
+            </a:extLst>
+          </p:cNvPr>
+          <p:cNvCxnSpPr>
+            <a:cxnSpLocks/>
+          </p:cNvCxnSpPr>
+          <p:nvPr/>
+        </p:nvCxnSpPr>
+        <p:spPr>
+          <a:xfrm flipV="1">
+            <a:off x="4768916" y="1959102"/>
+            <a:ext cx="0" cy="989838"/>
+          </a:xfrm>
+          <a:prstGeom prst="line">
+            <a:avLst/>
+          </a:prstGeom>
+        </p:spPr>
+        <p:style>
+          <a:lnRef idx="1">
+            <a:schemeClr val="accent1"/>
+          </a:lnRef>
+          <a:fillRef idx="0">
+            <a:schemeClr val="accent1"/>
+          </a:fillRef>
+          <a:effectRef idx="0">
+            <a:schemeClr val="accent1"/>
+          </a:effectRef>
+          <a:fontRef idx="minor">
+            <a:schemeClr val="tx1"/>
+          </a:fontRef>
+        </p:style>
+      </p:cxnSp>
+      <p:grpSp>
+        <p:nvGrpSpPr>
+          <p:cNvPr id="56" name="Group 55">
+            <a:extLst>
+              <a:ext uri="{FF2B5EF4-FFF2-40B4-BE49-F238E27FC236}">
+                <a16:creationId xmlns:a16="http://schemas.microsoft.com/office/drawing/2014/main" id="{14237719-C2F8-352C-26E0-8A2C318FEA74}"/>
+              </a:ext>
+            </a:extLst>
+          </p:cNvPr>
+          <p:cNvGrpSpPr/>
+          <p:nvPr/>
+        </p:nvGrpSpPr>
+        <p:grpSpPr>
+          <a:xfrm>
+            <a:off x="865879" y="2160270"/>
+            <a:ext cx="319348" cy="162306"/>
+            <a:chOff x="6675120" y="1527048"/>
+            <a:chExt cx="832104" cy="422910"/>
+          </a:xfrm>
+        </p:grpSpPr>
+        <p:sp>
+          <p:nvSpPr>
+            <p:cNvPr id="57" name="Rectangle 56">
+              <a:extLst>
+                <a:ext uri="{FF2B5EF4-FFF2-40B4-BE49-F238E27FC236}">
+                  <a16:creationId xmlns:a16="http://schemas.microsoft.com/office/drawing/2014/main" id="{FC5E105D-C0F6-F8B4-60E6-5449E43CBDF1}"/>
+                </a:ext>
+              </a:extLst>
+            </p:cNvPr>
+            <p:cNvSpPr/>
+            <p:nvPr/>
+          </p:nvSpPr>
+          <p:spPr>
+            <a:xfrm>
+              <a:off x="6675120" y="1527048"/>
+              <a:ext cx="832104" cy="422910"/>
+            </a:xfrm>
+            <a:prstGeom prst="rect">
+              <a:avLst/>
+            </a:prstGeom>
+            <a:noFill/>
+          </p:spPr>
+          <p:style>
+            <a:lnRef idx="2">
+              <a:schemeClr val="accent1">
+                <a:shade val="50000"/>
+              </a:schemeClr>
+            </a:lnRef>
+            <a:fillRef idx="1">
+              <a:schemeClr val="accent1"/>
+            </a:fillRef>
+            <a:effectRef idx="0">
+              <a:schemeClr val="accent1"/>
+            </a:effectRef>
+            <a:fontRef idx="minor">
+              <a:schemeClr val="lt1"/>
+            </a:fontRef>
+          </p:style>
+          <p:txBody>
+            <a:bodyPr rtlCol="0" anchor="ctr"/>
+            <a:lstStyle/>
+            <a:p>
+              <a:pPr algn="ctr"/>
+              <a:endParaRPr lang="es-419"/>
+            </a:p>
+          </p:txBody>
+        </p:sp>
+        <p:cxnSp>
+          <p:nvCxnSpPr>
+            <p:cNvPr id="58" name="Straight Connector 57">
+              <a:extLst>
+                <a:ext uri="{FF2B5EF4-FFF2-40B4-BE49-F238E27FC236}">
+                  <a16:creationId xmlns:a16="http://schemas.microsoft.com/office/drawing/2014/main" id="{067BE451-7C0E-3E43-EC7D-DB25DD8FFB93}"/>
+                </a:ext>
+              </a:extLst>
+            </p:cNvPr>
+            <p:cNvCxnSpPr/>
+            <p:nvPr/>
+          </p:nvCxnSpPr>
+          <p:spPr>
+            <a:xfrm>
+              <a:off x="6675120" y="1527048"/>
+              <a:ext cx="438912" cy="237744"/>
+            </a:xfrm>
+            <a:prstGeom prst="line">
+              <a:avLst/>
+            </a:prstGeom>
+          </p:spPr>
+          <p:style>
+            <a:lnRef idx="1">
+              <a:schemeClr val="accent1"/>
+            </a:lnRef>
+            <a:fillRef idx="0">
+              <a:schemeClr val="accent1"/>
+            </a:fillRef>
+            <a:effectRef idx="0">
+              <a:schemeClr val="accent1"/>
+            </a:effectRef>
+            <a:fontRef idx="minor">
+              <a:schemeClr val="tx1"/>
+            </a:fontRef>
+          </p:style>
+        </p:cxnSp>
+        <p:cxnSp>
+          <p:nvCxnSpPr>
+            <p:cNvPr id="59" name="Straight Connector 58">
+              <a:extLst>
+                <a:ext uri="{FF2B5EF4-FFF2-40B4-BE49-F238E27FC236}">
+                  <a16:creationId xmlns:a16="http://schemas.microsoft.com/office/drawing/2014/main" id="{AA3A2099-CF11-7E5A-6D8D-CC92FD855F7C}"/>
+                </a:ext>
+              </a:extLst>
+            </p:cNvPr>
+            <p:cNvCxnSpPr/>
+            <p:nvPr/>
+          </p:nvCxnSpPr>
+          <p:spPr>
+            <a:xfrm flipH="1">
+              <a:off x="7114032" y="1527048"/>
+              <a:ext cx="393192" cy="237744"/>
+            </a:xfrm>
+            <a:prstGeom prst="line">
+              <a:avLst/>
+            </a:prstGeom>
+          </p:spPr>
+          <p:style>
+            <a:lnRef idx="1">
+              <a:schemeClr val="accent1"/>
+            </a:lnRef>
+            <a:fillRef idx="0">
+              <a:schemeClr val="accent1"/>
+            </a:fillRef>
+            <a:effectRef idx="0">
+              <a:schemeClr val="accent1"/>
+            </a:effectRef>
+            <a:fontRef idx="minor">
+              <a:schemeClr val="tx1"/>
+            </a:fontRef>
+          </p:style>
+        </p:cxnSp>
+      </p:grpSp>
+      <p:grpSp>
+        <p:nvGrpSpPr>
+          <p:cNvPr id="60" name="Group 59">
+            <a:extLst>
+              <a:ext uri="{FF2B5EF4-FFF2-40B4-BE49-F238E27FC236}">
+                <a16:creationId xmlns:a16="http://schemas.microsoft.com/office/drawing/2014/main" id="{747D1786-5ED1-3D1B-EAA2-E0B6E76E4B44}"/>
+              </a:ext>
+            </a:extLst>
+          </p:cNvPr>
+          <p:cNvGrpSpPr/>
+          <p:nvPr/>
+        </p:nvGrpSpPr>
+        <p:grpSpPr>
+          <a:xfrm>
+            <a:off x="1549954" y="2160270"/>
+            <a:ext cx="319348" cy="162306"/>
+            <a:chOff x="6675120" y="1527048"/>
+            <a:chExt cx="832104" cy="422910"/>
+          </a:xfrm>
+        </p:grpSpPr>
+        <p:sp>
+          <p:nvSpPr>
+            <p:cNvPr id="61" name="Rectangle 60">
+              <a:extLst>
+                <a:ext uri="{FF2B5EF4-FFF2-40B4-BE49-F238E27FC236}">
+                  <a16:creationId xmlns:a16="http://schemas.microsoft.com/office/drawing/2014/main" id="{752DE108-273C-D9D2-23D2-D39FBE7C5CB7}"/>
+                </a:ext>
+              </a:extLst>
+            </p:cNvPr>
+            <p:cNvSpPr/>
+            <p:nvPr/>
+          </p:nvSpPr>
+          <p:spPr>
+            <a:xfrm>
+              <a:off x="6675120" y="1527048"/>
+              <a:ext cx="832104" cy="422910"/>
+            </a:xfrm>
+            <a:prstGeom prst="rect">
+              <a:avLst/>
+            </a:prstGeom>
+            <a:noFill/>
+          </p:spPr>
+          <p:style>
+            <a:lnRef idx="2">
+              <a:schemeClr val="accent1">
+                <a:shade val="50000"/>
+              </a:schemeClr>
+            </a:lnRef>
+            <a:fillRef idx="1">
+              <a:schemeClr val="accent1"/>
+            </a:fillRef>
+            <a:effectRef idx="0">
+              <a:schemeClr val="accent1"/>
+            </a:effectRef>
+            <a:fontRef idx="minor">
+              <a:schemeClr val="lt1"/>
+            </a:fontRef>
+          </p:style>
+          <p:txBody>
+            <a:bodyPr rtlCol="0" anchor="ctr"/>
+            <a:lstStyle/>
+            <a:p>
+              <a:pPr algn="ctr"/>
+              <a:endParaRPr lang="es-419"/>
+            </a:p>
+          </p:txBody>
+        </p:sp>
+        <p:cxnSp>
+          <p:nvCxnSpPr>
+            <p:cNvPr id="62" name="Straight Connector 61">
+              <a:extLst>
+                <a:ext uri="{FF2B5EF4-FFF2-40B4-BE49-F238E27FC236}">
+                  <a16:creationId xmlns:a16="http://schemas.microsoft.com/office/drawing/2014/main" id="{0611E2A0-81AA-8770-D535-226B967EF4FB}"/>
+                </a:ext>
+              </a:extLst>
+            </p:cNvPr>
+            <p:cNvCxnSpPr/>
+            <p:nvPr/>
+          </p:nvCxnSpPr>
+          <p:spPr>
+            <a:xfrm>
+              <a:off x="6675120" y="1527048"/>
+              <a:ext cx="438912" cy="237744"/>
+            </a:xfrm>
+            <a:prstGeom prst="line">
+              <a:avLst/>
+            </a:prstGeom>
+          </p:spPr>
+          <p:style>
+            <a:lnRef idx="1">
+              <a:schemeClr val="accent1"/>
+            </a:lnRef>
+            <a:fillRef idx="0">
+              <a:schemeClr val="accent1"/>
+            </a:fillRef>
+            <a:effectRef idx="0">
+              <a:schemeClr val="accent1"/>
+            </a:effectRef>
+            <a:fontRef idx="minor">
+              <a:schemeClr val="tx1"/>
+            </a:fontRef>
+          </p:style>
+        </p:cxnSp>
+        <p:cxnSp>
+          <p:nvCxnSpPr>
+            <p:cNvPr id="63" name="Straight Connector 62">
+              <a:extLst>
+                <a:ext uri="{FF2B5EF4-FFF2-40B4-BE49-F238E27FC236}">
+                  <a16:creationId xmlns:a16="http://schemas.microsoft.com/office/drawing/2014/main" id="{2C502112-EB96-74F6-882A-A056867DFA6B}"/>
+                </a:ext>
+              </a:extLst>
+            </p:cNvPr>
+            <p:cNvCxnSpPr/>
+            <p:nvPr/>
+          </p:nvCxnSpPr>
+          <p:spPr>
+            <a:xfrm flipH="1">
+              <a:off x="7114032" y="1527048"/>
+              <a:ext cx="393192" cy="237744"/>
+            </a:xfrm>
+            <a:prstGeom prst="line">
+              <a:avLst/>
+            </a:prstGeom>
+          </p:spPr>
+          <p:style>
+            <a:lnRef idx="1">
+              <a:schemeClr val="accent1"/>
+            </a:lnRef>
+            <a:fillRef idx="0">
+              <a:schemeClr val="accent1"/>
+            </a:fillRef>
+            <a:effectRef idx="0">
+              <a:schemeClr val="accent1"/>
+            </a:effectRef>
+            <a:fontRef idx="minor">
+              <a:schemeClr val="tx1"/>
+            </a:fontRef>
+          </p:style>
+        </p:cxnSp>
+      </p:grpSp>
+      <p:grpSp>
+        <p:nvGrpSpPr>
+          <p:cNvPr id="64" name="Group 63">
+            <a:extLst>
+              <a:ext uri="{FF2B5EF4-FFF2-40B4-BE49-F238E27FC236}">
+                <a16:creationId xmlns:a16="http://schemas.microsoft.com/office/drawing/2014/main" id="{5BBC5A8B-9088-631E-B659-3475392655FF}"/>
+              </a:ext>
+            </a:extLst>
+          </p:cNvPr>
+          <p:cNvGrpSpPr/>
+          <p:nvPr/>
+        </p:nvGrpSpPr>
+        <p:grpSpPr>
+          <a:xfrm>
+            <a:off x="2211353" y="2160270"/>
+            <a:ext cx="319348" cy="162306"/>
+            <a:chOff x="6675120" y="1527048"/>
+            <a:chExt cx="832104" cy="422910"/>
+          </a:xfrm>
+        </p:grpSpPr>
+        <p:sp>
+          <p:nvSpPr>
+            <p:cNvPr id="65" name="Rectangle 64">
+              <a:extLst>
+                <a:ext uri="{FF2B5EF4-FFF2-40B4-BE49-F238E27FC236}">
+                  <a16:creationId xmlns:a16="http://schemas.microsoft.com/office/drawing/2014/main" id="{5FCB7211-A1A9-3431-0FD4-E82732E2C7EC}"/>
+                </a:ext>
+              </a:extLst>
+            </p:cNvPr>
+            <p:cNvSpPr/>
+            <p:nvPr/>
+          </p:nvSpPr>
+          <p:spPr>
+            <a:xfrm>
+              <a:off x="6675120" y="1527048"/>
+              <a:ext cx="832104" cy="422910"/>
+            </a:xfrm>
+            <a:prstGeom prst="rect">
+              <a:avLst/>
+            </a:prstGeom>
+            <a:noFill/>
+          </p:spPr>
+          <p:style>
+            <a:lnRef idx="2">
+              <a:schemeClr val="accent1">
+                <a:shade val="50000"/>
+              </a:schemeClr>
+            </a:lnRef>
+            <a:fillRef idx="1">
+              <a:schemeClr val="accent1"/>
+            </a:fillRef>
+            <a:effectRef idx="0">
+              <a:schemeClr val="accent1"/>
+            </a:effectRef>
+            <a:fontRef idx="minor">
+              <a:schemeClr val="lt1"/>
+            </a:fontRef>
+          </p:style>
+          <p:txBody>
+            <a:bodyPr rtlCol="0" anchor="ctr"/>
+            <a:lstStyle/>
+            <a:p>
+              <a:pPr algn="ctr"/>
+              <a:endParaRPr lang="es-419"/>
+            </a:p>
+          </p:txBody>
+        </p:sp>
+        <p:cxnSp>
+          <p:nvCxnSpPr>
+            <p:cNvPr id="66" name="Straight Connector 65">
+              <a:extLst>
+                <a:ext uri="{FF2B5EF4-FFF2-40B4-BE49-F238E27FC236}">
+                  <a16:creationId xmlns:a16="http://schemas.microsoft.com/office/drawing/2014/main" id="{DDFE4B8A-F44F-EA20-C4CF-C37D2469A2C2}"/>
+                </a:ext>
+              </a:extLst>
+            </p:cNvPr>
+            <p:cNvCxnSpPr/>
+            <p:nvPr/>
+          </p:nvCxnSpPr>
+          <p:spPr>
+            <a:xfrm>
+              <a:off x="6675120" y="1527048"/>
+              <a:ext cx="438912" cy="237744"/>
+            </a:xfrm>
+            <a:prstGeom prst="line">
+              <a:avLst/>
+            </a:prstGeom>
+          </p:spPr>
+          <p:style>
+            <a:lnRef idx="1">
+              <a:schemeClr val="accent1"/>
+            </a:lnRef>
+            <a:fillRef idx="0">
+              <a:schemeClr val="accent1"/>
+            </a:fillRef>
+            <a:effectRef idx="0">
+              <a:schemeClr val="accent1"/>
+            </a:effectRef>
+            <a:fontRef idx="minor">
+              <a:schemeClr val="tx1"/>
+            </a:fontRef>
+          </p:style>
+        </p:cxnSp>
+        <p:cxnSp>
+          <p:nvCxnSpPr>
+            <p:cNvPr id="67" name="Straight Connector 66">
+              <a:extLst>
+                <a:ext uri="{FF2B5EF4-FFF2-40B4-BE49-F238E27FC236}">
+                  <a16:creationId xmlns:a16="http://schemas.microsoft.com/office/drawing/2014/main" id="{4895DAB7-CCE4-7C6F-4F84-1DA122DC429E}"/>
+                </a:ext>
+              </a:extLst>
+            </p:cNvPr>
+            <p:cNvCxnSpPr/>
+            <p:nvPr/>
+          </p:nvCxnSpPr>
+          <p:spPr>
+            <a:xfrm flipH="1">
+              <a:off x="7114032" y="1527048"/>
+              <a:ext cx="393192" cy="237744"/>
+            </a:xfrm>
+            <a:prstGeom prst="line">
+              <a:avLst/>
+            </a:prstGeom>
+          </p:spPr>
+          <p:style>
+            <a:lnRef idx="1">
+              <a:schemeClr val="accent1"/>
+            </a:lnRef>
+            <a:fillRef idx="0">
+              <a:schemeClr val="accent1"/>
+            </a:fillRef>
+            <a:effectRef idx="0">
+              <a:schemeClr val="accent1"/>
+            </a:effectRef>
+            <a:fontRef idx="minor">
+              <a:schemeClr val="tx1"/>
+            </a:fontRef>
+          </p:style>
+        </p:cxnSp>
+      </p:grpSp>
+      <p:grpSp>
+        <p:nvGrpSpPr>
+          <p:cNvPr id="68" name="Group 67">
+            <a:extLst>
+              <a:ext uri="{FF2B5EF4-FFF2-40B4-BE49-F238E27FC236}">
+                <a16:creationId xmlns:a16="http://schemas.microsoft.com/office/drawing/2014/main" id="{EED88A23-B5D3-57E1-95D6-76D65599D316}"/>
+              </a:ext>
+            </a:extLst>
+          </p:cNvPr>
+          <p:cNvGrpSpPr/>
+          <p:nvPr/>
+        </p:nvGrpSpPr>
+        <p:grpSpPr>
+          <a:xfrm>
+            <a:off x="2999206" y="2160270"/>
+            <a:ext cx="319348" cy="162306"/>
+            <a:chOff x="6675120" y="1527048"/>
+            <a:chExt cx="832104" cy="422910"/>
+          </a:xfrm>
+        </p:grpSpPr>
+        <p:sp>
+          <p:nvSpPr>
+            <p:cNvPr id="69" name="Rectangle 68">
+              <a:extLst>
+                <a:ext uri="{FF2B5EF4-FFF2-40B4-BE49-F238E27FC236}">
+                  <a16:creationId xmlns:a16="http://schemas.microsoft.com/office/drawing/2014/main" id="{D734FC1B-D1B5-E1DB-F378-41D107640F6C}"/>
+                </a:ext>
+              </a:extLst>
+            </p:cNvPr>
+            <p:cNvSpPr/>
+            <p:nvPr/>
+          </p:nvSpPr>
+          <p:spPr>
+            <a:xfrm>
+              <a:off x="6675120" y="1527048"/>
+              <a:ext cx="832104" cy="422910"/>
+            </a:xfrm>
+            <a:prstGeom prst="rect">
+              <a:avLst/>
+            </a:prstGeom>
+            <a:noFill/>
+          </p:spPr>
+          <p:style>
+            <a:lnRef idx="2">
+              <a:schemeClr val="accent1">
+                <a:shade val="50000"/>
+              </a:schemeClr>
+            </a:lnRef>
+            <a:fillRef idx="1">
+              <a:schemeClr val="accent1"/>
+            </a:fillRef>
+            <a:effectRef idx="0">
+              <a:schemeClr val="accent1"/>
+            </a:effectRef>
+            <a:fontRef idx="minor">
+              <a:schemeClr val="lt1"/>
+            </a:fontRef>
+          </p:style>
+          <p:txBody>
+            <a:bodyPr rtlCol="0" anchor="ctr"/>
+            <a:lstStyle/>
+            <a:p>
+              <a:pPr algn="ctr"/>
+              <a:endParaRPr lang="es-419"/>
+            </a:p>
+          </p:txBody>
+        </p:sp>
+        <p:cxnSp>
+          <p:nvCxnSpPr>
+            <p:cNvPr id="70" name="Straight Connector 69">
+              <a:extLst>
+                <a:ext uri="{FF2B5EF4-FFF2-40B4-BE49-F238E27FC236}">
+                  <a16:creationId xmlns:a16="http://schemas.microsoft.com/office/drawing/2014/main" id="{110FEBE4-7FBE-B9C0-14E5-C47D9F07C35D}"/>
+                </a:ext>
+              </a:extLst>
+            </p:cNvPr>
+            <p:cNvCxnSpPr/>
+            <p:nvPr/>
+          </p:nvCxnSpPr>
+          <p:spPr>
+            <a:xfrm>
+              <a:off x="6675120" y="1527048"/>
+              <a:ext cx="438912" cy="237744"/>
+            </a:xfrm>
+            <a:prstGeom prst="line">
+              <a:avLst/>
+            </a:prstGeom>
+          </p:spPr>
+          <p:style>
+            <a:lnRef idx="1">
+              <a:schemeClr val="accent1"/>
+            </a:lnRef>
+            <a:fillRef idx="0">
+              <a:schemeClr val="accent1"/>
+            </a:fillRef>
+            <a:effectRef idx="0">
+              <a:schemeClr val="accent1"/>
+            </a:effectRef>
+            <a:fontRef idx="minor">
+              <a:schemeClr val="tx1"/>
+            </a:fontRef>
+          </p:style>
+        </p:cxnSp>
+        <p:cxnSp>
+          <p:nvCxnSpPr>
+            <p:cNvPr id="71" name="Straight Connector 70">
+              <a:extLst>
+                <a:ext uri="{FF2B5EF4-FFF2-40B4-BE49-F238E27FC236}">
+                  <a16:creationId xmlns:a16="http://schemas.microsoft.com/office/drawing/2014/main" id="{6548E2C3-4072-DD5D-CB18-F205FCE37DBC}"/>
+                </a:ext>
+              </a:extLst>
+            </p:cNvPr>
+            <p:cNvCxnSpPr/>
+            <p:nvPr/>
+          </p:nvCxnSpPr>
+          <p:spPr>
+            <a:xfrm flipH="1">
+              <a:off x="7114032" y="1527048"/>
+              <a:ext cx="393192" cy="237744"/>
+            </a:xfrm>
+            <a:prstGeom prst="line">
+              <a:avLst/>
+            </a:prstGeom>
+          </p:spPr>
+          <p:style>
+            <a:lnRef idx="1">
+              <a:schemeClr val="accent1"/>
+            </a:lnRef>
+            <a:fillRef idx="0">
+              <a:schemeClr val="accent1"/>
+            </a:fillRef>
+            <a:effectRef idx="0">
+              <a:schemeClr val="accent1"/>
+            </a:effectRef>
+            <a:fontRef idx="minor">
+              <a:schemeClr val="tx1"/>
+            </a:fontRef>
+          </p:style>
+        </p:cxnSp>
+      </p:grpSp>
+      <p:grpSp>
+        <p:nvGrpSpPr>
+          <p:cNvPr id="72" name="Group 71">
+            <a:extLst>
+              <a:ext uri="{FF2B5EF4-FFF2-40B4-BE49-F238E27FC236}">
+                <a16:creationId xmlns:a16="http://schemas.microsoft.com/office/drawing/2014/main" id="{BDF6D339-03E3-FFF0-501B-EC7BC6674C8D}"/>
+              </a:ext>
+            </a:extLst>
+          </p:cNvPr>
+          <p:cNvGrpSpPr/>
+          <p:nvPr/>
+        </p:nvGrpSpPr>
+        <p:grpSpPr>
+          <a:xfrm>
+            <a:off x="3644479" y="2160270"/>
+            <a:ext cx="319348" cy="162306"/>
+            <a:chOff x="6675120" y="1527048"/>
+            <a:chExt cx="832104" cy="422910"/>
+          </a:xfrm>
+        </p:grpSpPr>
+        <p:sp>
+          <p:nvSpPr>
+            <p:cNvPr id="73" name="Rectangle 72">
+              <a:extLst>
+                <a:ext uri="{FF2B5EF4-FFF2-40B4-BE49-F238E27FC236}">
+                  <a16:creationId xmlns:a16="http://schemas.microsoft.com/office/drawing/2014/main" id="{0BE12704-988F-F2E1-1440-8B2F6EBE3CB7}"/>
+                </a:ext>
+              </a:extLst>
+            </p:cNvPr>
+            <p:cNvSpPr/>
+            <p:nvPr/>
+          </p:nvSpPr>
+          <p:spPr>
+            <a:xfrm>
+              <a:off x="6675120" y="1527048"/>
+              <a:ext cx="832104" cy="422910"/>
+            </a:xfrm>
+            <a:prstGeom prst="rect">
+              <a:avLst/>
+            </a:prstGeom>
+            <a:noFill/>
+          </p:spPr>
+          <p:style>
+            <a:lnRef idx="2">
+              <a:schemeClr val="accent1">
+                <a:shade val="50000"/>
+              </a:schemeClr>
+            </a:lnRef>
+            <a:fillRef idx="1">
+              <a:schemeClr val="accent1"/>
+            </a:fillRef>
+            <a:effectRef idx="0">
+              <a:schemeClr val="accent1"/>
+            </a:effectRef>
+            <a:fontRef idx="minor">
+              <a:schemeClr val="lt1"/>
+            </a:fontRef>
+          </p:style>
+          <p:txBody>
+            <a:bodyPr rtlCol="0" anchor="ctr"/>
+            <a:lstStyle/>
+            <a:p>
+              <a:pPr algn="ctr"/>
+              <a:endParaRPr lang="es-419"/>
+            </a:p>
+          </p:txBody>
+        </p:sp>
+        <p:cxnSp>
+          <p:nvCxnSpPr>
+            <p:cNvPr id="74" name="Straight Connector 73">
+              <a:extLst>
+                <a:ext uri="{FF2B5EF4-FFF2-40B4-BE49-F238E27FC236}">
+                  <a16:creationId xmlns:a16="http://schemas.microsoft.com/office/drawing/2014/main" id="{961A5195-F7C0-8DF8-E955-430A7C5D2F53}"/>
+                </a:ext>
+              </a:extLst>
+            </p:cNvPr>
+            <p:cNvCxnSpPr/>
+            <p:nvPr/>
+          </p:nvCxnSpPr>
+          <p:spPr>
+            <a:xfrm>
+              <a:off x="6675120" y="1527048"/>
+              <a:ext cx="438912" cy="237744"/>
+            </a:xfrm>
+            <a:prstGeom prst="line">
+              <a:avLst/>
+            </a:prstGeom>
+          </p:spPr>
+          <p:style>
+            <a:lnRef idx="1">
+              <a:schemeClr val="accent1"/>
+            </a:lnRef>
+            <a:fillRef idx="0">
+              <a:schemeClr val="accent1"/>
+            </a:fillRef>
+            <a:effectRef idx="0">
+              <a:schemeClr val="accent1"/>
+            </a:effectRef>
+            <a:fontRef idx="minor">
+              <a:schemeClr val="tx1"/>
+            </a:fontRef>
+          </p:style>
+        </p:cxnSp>
+        <p:cxnSp>
+          <p:nvCxnSpPr>
+            <p:cNvPr id="75" name="Straight Connector 74">
+              <a:extLst>
+                <a:ext uri="{FF2B5EF4-FFF2-40B4-BE49-F238E27FC236}">
+                  <a16:creationId xmlns:a16="http://schemas.microsoft.com/office/drawing/2014/main" id="{D17EC6DC-6CA9-8380-5484-9B5E22AAD3CB}"/>
+                </a:ext>
+              </a:extLst>
+            </p:cNvPr>
+            <p:cNvCxnSpPr/>
+            <p:nvPr/>
+          </p:nvCxnSpPr>
+          <p:spPr>
+            <a:xfrm flipH="1">
+              <a:off x="7114032" y="1527048"/>
+              <a:ext cx="393192" cy="237744"/>
+            </a:xfrm>
+            <a:prstGeom prst="line">
+              <a:avLst/>
+            </a:prstGeom>
+          </p:spPr>
+          <p:style>
+            <a:lnRef idx="1">
+              <a:schemeClr val="accent1"/>
+            </a:lnRef>
+            <a:fillRef idx="0">
+              <a:schemeClr val="accent1"/>
+            </a:fillRef>
+            <a:effectRef idx="0">
+              <a:schemeClr val="accent1"/>
+            </a:effectRef>
+            <a:fontRef idx="minor">
+              <a:schemeClr val="tx1"/>
+            </a:fontRef>
+          </p:style>
+        </p:cxnSp>
+      </p:grpSp>
+      <p:grpSp>
+        <p:nvGrpSpPr>
+          <p:cNvPr id="76" name="Group 75">
+            <a:extLst>
+              <a:ext uri="{FF2B5EF4-FFF2-40B4-BE49-F238E27FC236}">
+                <a16:creationId xmlns:a16="http://schemas.microsoft.com/office/drawing/2014/main" id="{1ECA4622-59B8-56FF-465D-6210E58086F9}"/>
+              </a:ext>
+            </a:extLst>
+          </p:cNvPr>
+          <p:cNvGrpSpPr/>
+          <p:nvPr/>
+        </p:nvGrpSpPr>
+        <p:grpSpPr>
+          <a:xfrm>
+            <a:off x="4362492" y="2160270"/>
+            <a:ext cx="319348" cy="162306"/>
+            <a:chOff x="6675120" y="1527048"/>
+            <a:chExt cx="832104" cy="422910"/>
+          </a:xfrm>
+        </p:grpSpPr>
+        <p:sp>
+          <p:nvSpPr>
+            <p:cNvPr id="77" name="Rectangle 76">
+              <a:extLst>
+                <a:ext uri="{FF2B5EF4-FFF2-40B4-BE49-F238E27FC236}">
+                  <a16:creationId xmlns:a16="http://schemas.microsoft.com/office/drawing/2014/main" id="{05A90C4B-ACCF-E5EB-57A8-07D98B693E7A}"/>
+                </a:ext>
+              </a:extLst>
+            </p:cNvPr>
+            <p:cNvSpPr/>
+            <p:nvPr/>
+          </p:nvSpPr>
+          <p:spPr>
+            <a:xfrm>
+              <a:off x="6675120" y="1527048"/>
+              <a:ext cx="832104" cy="422910"/>
+            </a:xfrm>
+            <a:prstGeom prst="rect">
+              <a:avLst/>
+            </a:prstGeom>
+            <a:noFill/>
+          </p:spPr>
+          <p:style>
+            <a:lnRef idx="2">
+              <a:schemeClr val="accent1">
+                <a:shade val="50000"/>
+              </a:schemeClr>
+            </a:lnRef>
+            <a:fillRef idx="1">
+              <a:schemeClr val="accent1"/>
+            </a:fillRef>
+            <a:effectRef idx="0">
+              <a:schemeClr val="accent1"/>
+            </a:effectRef>
+            <a:fontRef idx="minor">
+              <a:schemeClr val="lt1"/>
+            </a:fontRef>
+          </p:style>
+          <p:txBody>
+            <a:bodyPr rtlCol="0" anchor="ctr"/>
+            <a:lstStyle/>
+            <a:p>
+              <a:pPr algn="ctr"/>
+              <a:endParaRPr lang="es-419"/>
+            </a:p>
+          </p:txBody>
+        </p:sp>
+        <p:cxnSp>
+          <p:nvCxnSpPr>
+            <p:cNvPr id="78" name="Straight Connector 77">
+              <a:extLst>
+                <a:ext uri="{FF2B5EF4-FFF2-40B4-BE49-F238E27FC236}">
+                  <a16:creationId xmlns:a16="http://schemas.microsoft.com/office/drawing/2014/main" id="{197DF23F-761B-6F9C-D15E-9089E0BB86E2}"/>
+                </a:ext>
+              </a:extLst>
+            </p:cNvPr>
+            <p:cNvCxnSpPr/>
+            <p:nvPr/>
+          </p:nvCxnSpPr>
+          <p:spPr>
+            <a:xfrm>
+              <a:off x="6675120" y="1527048"/>
+              <a:ext cx="438912" cy="237744"/>
+            </a:xfrm>
+            <a:prstGeom prst="line">
+              <a:avLst/>
+            </a:prstGeom>
+          </p:spPr>
+          <p:style>
+            <a:lnRef idx="1">
+              <a:schemeClr val="accent1"/>
+            </a:lnRef>
+            <a:fillRef idx="0">
+              <a:schemeClr val="accent1"/>
+            </a:fillRef>
+            <a:effectRef idx="0">
+              <a:schemeClr val="accent1"/>
+            </a:effectRef>
+            <a:fontRef idx="minor">
+              <a:schemeClr val="tx1"/>
+            </a:fontRef>
+          </p:style>
+        </p:cxnSp>
+        <p:cxnSp>
+          <p:nvCxnSpPr>
+            <p:cNvPr id="79" name="Straight Connector 78">
+              <a:extLst>
+                <a:ext uri="{FF2B5EF4-FFF2-40B4-BE49-F238E27FC236}">
+                  <a16:creationId xmlns:a16="http://schemas.microsoft.com/office/drawing/2014/main" id="{56017783-F269-3F76-7266-8461F53127DA}"/>
+                </a:ext>
+              </a:extLst>
+            </p:cNvPr>
+            <p:cNvCxnSpPr/>
+            <p:nvPr/>
+          </p:nvCxnSpPr>
+          <p:spPr>
+            <a:xfrm flipH="1">
+              <a:off x="7114032" y="1527048"/>
+              <a:ext cx="393192" cy="237744"/>
+            </a:xfrm>
+            <a:prstGeom prst="line">
+              <a:avLst/>
+            </a:prstGeom>
+          </p:spPr>
+          <p:style>
+            <a:lnRef idx="1">
+              <a:schemeClr val="accent1"/>
+            </a:lnRef>
+            <a:fillRef idx="0">
+              <a:schemeClr val="accent1"/>
+            </a:fillRef>
+            <a:effectRef idx="0">
+              <a:schemeClr val="accent1"/>
+            </a:effectRef>
+            <a:fontRef idx="minor">
+              <a:schemeClr val="tx1"/>
+            </a:fontRef>
+          </p:style>
+        </p:cxnSp>
+      </p:grpSp>
+      <p:sp>
+        <p:nvSpPr>
+          <p:cNvPr id="80" name="Rectangle: Rounded Corners 79">
+            <a:extLst>
+              <a:ext uri="{FF2B5EF4-FFF2-40B4-BE49-F238E27FC236}">
+                <a16:creationId xmlns:a16="http://schemas.microsoft.com/office/drawing/2014/main" id="{97B31B26-9AB0-C517-EBFA-E34B65E5868F}"/>
+              </a:ext>
+            </a:extLst>
+          </p:cNvPr>
+          <p:cNvSpPr/>
+          <p:nvPr/>
+        </p:nvSpPr>
+        <p:spPr>
+          <a:xfrm>
+            <a:off x="1838539" y="302796"/>
+            <a:ext cx="2203704" cy="661896"/>
+          </a:xfrm>
+          <a:prstGeom prst="roundRect">
+            <a:avLst/>
+          </a:prstGeom>
+          <a:noFill/>
+        </p:spPr>
+        <p:style>
+          <a:lnRef idx="2">
+            <a:schemeClr val="accent1">
+              <a:shade val="50000"/>
+            </a:schemeClr>
+          </a:lnRef>
+          <a:fillRef idx="1">
+            <a:schemeClr val="accent1"/>
+          </a:fillRef>
+          <a:effectRef idx="0">
+            <a:schemeClr val="accent1"/>
+          </a:effectRef>
+          <a:fontRef idx="minor">
+            <a:schemeClr val="lt1"/>
+          </a:fontRef>
+        </p:style>
+        <p:txBody>
+          <a:bodyPr rtlCol="0" anchor="ctr"/>
+          <a:lstStyle/>
+          <a:p>
+            <a:pPr algn="ctr"/>
+            <a:r>
+              <a:rPr lang="es-419" dirty="0">
+                <a:solidFill>
+                  <a:schemeClr val="tx1"/>
+                </a:solidFill>
+              </a:rPr>
+              <a:t>Business </a:t>
+            </a:r>
+            <a:r>
+              <a:rPr lang="es-419" dirty="0" err="1">
+                <a:solidFill>
+                  <a:schemeClr val="tx1"/>
+                </a:solidFill>
+              </a:rPr>
+              <a:t>Logic</a:t>
+            </a:r>
+            <a:endParaRPr lang="es-419" dirty="0">
+              <a:solidFill>
+                <a:schemeClr val="tx1"/>
+              </a:solidFill>
+            </a:endParaRPr>
+          </a:p>
+        </p:txBody>
+      </p:sp>
+      <p:cxnSp>
+        <p:nvCxnSpPr>
+          <p:cNvPr id="81" name="Straight Arrow Connector 80">
+            <a:extLst>
+              <a:ext uri="{FF2B5EF4-FFF2-40B4-BE49-F238E27FC236}">
+                <a16:creationId xmlns:a16="http://schemas.microsoft.com/office/drawing/2014/main" id="{E4A373F1-31D0-1596-C397-4DECE4DFFBD2}"/>
+              </a:ext>
+            </a:extLst>
+          </p:cNvPr>
+          <p:cNvCxnSpPr>
+            <a:cxnSpLocks/>
+            <a:stCxn id="80" idx="2"/>
+          </p:cNvCxnSpPr>
+          <p:nvPr/>
+        </p:nvCxnSpPr>
+        <p:spPr>
+          <a:xfrm flipH="1">
+            <a:off x="2930973" y="964692"/>
+            <a:ext cx="9418" cy="610362"/>
+          </a:xfrm>
+          <a:prstGeom prst="straightConnector1">
+            <a:avLst/>
+          </a:prstGeom>
+          <a:ln>
+            <a:tailEnd type="triangle"/>
+          </a:ln>
+        </p:spPr>
+        <p:style>
+          <a:lnRef idx="1">
+            <a:schemeClr val="accent1"/>
+          </a:lnRef>
+          <a:fillRef idx="0">
+            <a:schemeClr val="accent1"/>
+          </a:fillRef>
+          <a:effectRef idx="0">
+            <a:schemeClr val="accent1"/>
+          </a:effectRef>
+          <a:fontRef idx="minor">
+            <a:schemeClr val="tx1"/>
+          </a:fontRef>
+        </p:style>
+      </p:cxnSp>
+      <p:sp>
+        <p:nvSpPr>
+          <p:cNvPr id="82" name="Rectangle: Rounded Corners 81">
+            <a:extLst>
+              <a:ext uri="{FF2B5EF4-FFF2-40B4-BE49-F238E27FC236}">
+                <a16:creationId xmlns:a16="http://schemas.microsoft.com/office/drawing/2014/main" id="{C5AAB2B0-357E-518C-0635-7E0BDD876374}"/>
+              </a:ext>
+            </a:extLst>
+          </p:cNvPr>
+          <p:cNvSpPr/>
+          <p:nvPr/>
+        </p:nvSpPr>
+        <p:spPr>
+          <a:xfrm>
+            <a:off x="662986" y="3938778"/>
+            <a:ext cx="4764024" cy="384048"/>
+          </a:xfrm>
+          <a:prstGeom prst="roundRect">
+            <a:avLst/>
+          </a:prstGeom>
+          <a:noFill/>
+        </p:spPr>
+        <p:style>
+          <a:lnRef idx="2">
+            <a:schemeClr val="accent1">
+              <a:shade val="50000"/>
+            </a:schemeClr>
+          </a:lnRef>
+          <a:fillRef idx="1">
+            <a:schemeClr val="accent1"/>
+          </a:fillRef>
+          <a:effectRef idx="0">
+            <a:schemeClr val="accent1"/>
+          </a:effectRef>
+          <a:fontRef idx="minor">
+            <a:schemeClr val="lt1"/>
+          </a:fontRef>
+        </p:style>
+        <p:txBody>
+          <a:bodyPr rtlCol="0" anchor="ctr"/>
+          <a:lstStyle/>
+          <a:p>
+            <a:pPr algn="ctr"/>
+            <a:endParaRPr lang="es-419"/>
+          </a:p>
+        </p:txBody>
+      </p:sp>
+      <p:sp>
+        <p:nvSpPr>
+          <p:cNvPr id="83" name="Hexagon 82">
+            <a:extLst>
+              <a:ext uri="{FF2B5EF4-FFF2-40B4-BE49-F238E27FC236}">
+                <a16:creationId xmlns:a16="http://schemas.microsoft.com/office/drawing/2014/main" id="{D034793D-2EE8-DE4A-A6F8-6B96910689DD}"/>
+              </a:ext>
+            </a:extLst>
+          </p:cNvPr>
+          <p:cNvSpPr/>
+          <p:nvPr/>
+        </p:nvSpPr>
+        <p:spPr>
+          <a:xfrm>
+            <a:off x="1126798" y="4034790"/>
+            <a:ext cx="243962" cy="210312"/>
+          </a:xfrm>
+          <a:prstGeom prst="hexagon">
+            <a:avLst/>
+          </a:prstGeom>
+          <a:noFill/>
+          <a:ln>
+            <a:prstDash val="dash"/>
+          </a:ln>
+        </p:spPr>
+        <p:style>
+          <a:lnRef idx="2">
+            <a:schemeClr val="accent1">
+              <a:shade val="50000"/>
+            </a:schemeClr>
+          </a:lnRef>
+          <a:fillRef idx="1">
+            <a:schemeClr val="accent1"/>
+          </a:fillRef>
+          <a:effectRef idx="0">
+            <a:schemeClr val="accent1"/>
+          </a:effectRef>
+          <a:fontRef idx="minor">
+            <a:schemeClr val="lt1"/>
+          </a:fontRef>
+        </p:style>
+        <p:txBody>
+          <a:bodyPr rtlCol="0" anchor="ctr"/>
+          <a:lstStyle/>
+          <a:p>
+            <a:pPr algn="ctr"/>
+            <a:endParaRPr lang="es-419"/>
+          </a:p>
+        </p:txBody>
+      </p:sp>
+      <p:sp>
+        <p:nvSpPr>
+          <p:cNvPr id="84" name="Hexagon 83">
+            <a:extLst>
+              <a:ext uri="{FF2B5EF4-FFF2-40B4-BE49-F238E27FC236}">
+                <a16:creationId xmlns:a16="http://schemas.microsoft.com/office/drawing/2014/main" id="{7A4BCD4B-B143-99B6-F7DE-25FCC14705C8}"/>
+              </a:ext>
+            </a:extLst>
+          </p:cNvPr>
+          <p:cNvSpPr/>
+          <p:nvPr/>
+        </p:nvSpPr>
+        <p:spPr>
+          <a:xfrm>
+            <a:off x="1830583" y="4034790"/>
+            <a:ext cx="243962" cy="210312"/>
+          </a:xfrm>
+          <a:prstGeom prst="hexagon">
+            <a:avLst/>
+          </a:prstGeom>
+          <a:noFill/>
+          <a:ln>
+            <a:prstDash val="dash"/>
+          </a:ln>
+        </p:spPr>
+        <p:style>
+          <a:lnRef idx="2">
+            <a:schemeClr val="accent1">
+              <a:shade val="50000"/>
+            </a:schemeClr>
+          </a:lnRef>
+          <a:fillRef idx="1">
+            <a:schemeClr val="accent1"/>
+          </a:fillRef>
+          <a:effectRef idx="0">
+            <a:schemeClr val="accent1"/>
+          </a:effectRef>
+          <a:fontRef idx="minor">
+            <a:schemeClr val="lt1"/>
+          </a:fontRef>
+        </p:style>
+        <p:txBody>
+          <a:bodyPr rtlCol="0" anchor="ctr"/>
+          <a:lstStyle/>
+          <a:p>
+            <a:pPr algn="ctr"/>
+            <a:endParaRPr lang="es-419"/>
+          </a:p>
+        </p:txBody>
+      </p:sp>
+      <p:sp>
+        <p:nvSpPr>
+          <p:cNvPr id="85" name="Hexagon 84">
+            <a:extLst>
+              <a:ext uri="{FF2B5EF4-FFF2-40B4-BE49-F238E27FC236}">
+                <a16:creationId xmlns:a16="http://schemas.microsoft.com/office/drawing/2014/main" id="{EC1295FF-11EA-958A-FACF-675CC4008563}"/>
+              </a:ext>
+            </a:extLst>
+          </p:cNvPr>
+          <p:cNvSpPr/>
+          <p:nvPr/>
+        </p:nvSpPr>
+        <p:spPr>
+          <a:xfrm>
+            <a:off x="2530701" y="4034790"/>
+            <a:ext cx="243962" cy="210312"/>
+          </a:xfrm>
+          <a:prstGeom prst="hexagon">
+            <a:avLst/>
+          </a:prstGeom>
+          <a:noFill/>
+          <a:ln>
+            <a:prstDash val="dash"/>
+          </a:ln>
+        </p:spPr>
+        <p:style>
+          <a:lnRef idx="2">
+            <a:schemeClr val="accent1">
+              <a:shade val="50000"/>
+            </a:schemeClr>
+          </a:lnRef>
+          <a:fillRef idx="1">
+            <a:schemeClr val="accent1"/>
+          </a:fillRef>
+          <a:effectRef idx="0">
+            <a:schemeClr val="accent1"/>
+          </a:effectRef>
+          <a:fontRef idx="minor">
+            <a:schemeClr val="lt1"/>
+          </a:fontRef>
+        </p:style>
+        <p:txBody>
+          <a:bodyPr rtlCol="0" anchor="ctr"/>
+          <a:lstStyle/>
+          <a:p>
+            <a:pPr algn="ctr"/>
+            <a:endParaRPr lang="es-419"/>
+          </a:p>
+        </p:txBody>
+      </p:sp>
+      <p:sp>
+        <p:nvSpPr>
+          <p:cNvPr id="86" name="Hexagon 85">
+            <a:extLst>
+              <a:ext uri="{FF2B5EF4-FFF2-40B4-BE49-F238E27FC236}">
+                <a16:creationId xmlns:a16="http://schemas.microsoft.com/office/drawing/2014/main" id="{6060DFBF-2FD5-C106-B6C1-6916CB8621EB}"/>
+              </a:ext>
+            </a:extLst>
+          </p:cNvPr>
+          <p:cNvSpPr/>
+          <p:nvPr/>
+        </p:nvSpPr>
+        <p:spPr>
+          <a:xfrm>
+            <a:off x="3243103" y="4034790"/>
+            <a:ext cx="243962" cy="210312"/>
+          </a:xfrm>
+          <a:prstGeom prst="hexagon">
+            <a:avLst/>
+          </a:prstGeom>
+          <a:noFill/>
+          <a:ln>
+            <a:prstDash val="dash"/>
+          </a:ln>
+        </p:spPr>
+        <p:style>
+          <a:lnRef idx="2">
+            <a:schemeClr val="accent1">
+              <a:shade val="50000"/>
+            </a:schemeClr>
+          </a:lnRef>
+          <a:fillRef idx="1">
+            <a:schemeClr val="accent1"/>
+          </a:fillRef>
+          <a:effectRef idx="0">
+            <a:schemeClr val="accent1"/>
+          </a:effectRef>
+          <a:fontRef idx="minor">
+            <a:schemeClr val="lt1"/>
+          </a:fontRef>
+        </p:style>
+        <p:txBody>
+          <a:bodyPr rtlCol="0" anchor="ctr"/>
+          <a:lstStyle/>
+          <a:p>
+            <a:pPr algn="ctr"/>
+            <a:endParaRPr lang="es-419"/>
+          </a:p>
+        </p:txBody>
+      </p:sp>
+      <p:sp>
+        <p:nvSpPr>
+          <p:cNvPr id="87" name="Hexagon 86">
+            <a:extLst>
+              <a:ext uri="{FF2B5EF4-FFF2-40B4-BE49-F238E27FC236}">
+                <a16:creationId xmlns:a16="http://schemas.microsoft.com/office/drawing/2014/main" id="{876D8759-4B03-D792-C529-C2436E630367}"/>
+              </a:ext>
+            </a:extLst>
+          </p:cNvPr>
+          <p:cNvSpPr/>
+          <p:nvPr/>
+        </p:nvSpPr>
+        <p:spPr>
+          <a:xfrm>
+            <a:off x="3942847" y="4034790"/>
+            <a:ext cx="243962" cy="210312"/>
+          </a:xfrm>
+          <a:prstGeom prst="hexagon">
+            <a:avLst/>
+          </a:prstGeom>
+          <a:noFill/>
+          <a:ln>
+            <a:prstDash val="dash"/>
+          </a:ln>
+        </p:spPr>
+        <p:style>
+          <a:lnRef idx="2">
+            <a:schemeClr val="accent1">
+              <a:shade val="50000"/>
+            </a:schemeClr>
+          </a:lnRef>
+          <a:fillRef idx="1">
+            <a:schemeClr val="accent1"/>
+          </a:fillRef>
+          <a:effectRef idx="0">
+            <a:schemeClr val="accent1"/>
+          </a:effectRef>
+          <a:fontRef idx="minor">
+            <a:schemeClr val="lt1"/>
+          </a:fontRef>
+        </p:style>
+        <p:txBody>
+          <a:bodyPr rtlCol="0" anchor="ctr"/>
+          <a:lstStyle/>
+          <a:p>
+            <a:pPr algn="ctr"/>
+            <a:endParaRPr lang="es-419"/>
+          </a:p>
+        </p:txBody>
+      </p:sp>
+      <p:sp>
+        <p:nvSpPr>
+          <p:cNvPr id="88" name="Hexagon 87">
+            <a:extLst>
+              <a:ext uri="{FF2B5EF4-FFF2-40B4-BE49-F238E27FC236}">
+                <a16:creationId xmlns:a16="http://schemas.microsoft.com/office/drawing/2014/main" id="{B0E84CB5-E8A2-8763-3629-B5FA640C795F}"/>
+              </a:ext>
+            </a:extLst>
+          </p:cNvPr>
+          <p:cNvSpPr/>
+          <p:nvPr/>
+        </p:nvSpPr>
+        <p:spPr>
+          <a:xfrm>
+            <a:off x="4652009" y="4034790"/>
+            <a:ext cx="243962" cy="210312"/>
+          </a:xfrm>
+          <a:prstGeom prst="hexagon">
+            <a:avLst/>
+          </a:prstGeom>
+          <a:noFill/>
+          <a:ln>
+            <a:prstDash val="dash"/>
+          </a:ln>
+        </p:spPr>
+        <p:style>
+          <a:lnRef idx="2">
+            <a:schemeClr val="accent1">
+              <a:shade val="50000"/>
+            </a:schemeClr>
+          </a:lnRef>
+          <a:fillRef idx="1">
+            <a:schemeClr val="accent1"/>
+          </a:fillRef>
+          <a:effectRef idx="0">
+            <a:schemeClr val="accent1"/>
+          </a:effectRef>
+          <a:fontRef idx="minor">
+            <a:schemeClr val="lt1"/>
+          </a:fontRef>
+        </p:style>
+        <p:txBody>
+          <a:bodyPr rtlCol="0" anchor="ctr"/>
+          <a:lstStyle/>
+          <a:p>
+            <a:pPr algn="ctr"/>
+            <a:endParaRPr lang="es-419"/>
+          </a:p>
+        </p:txBody>
+      </p:sp>
+      <p:grpSp>
+        <p:nvGrpSpPr>
+          <p:cNvPr id="89" name="Group 88">
+            <a:extLst>
+              <a:ext uri="{FF2B5EF4-FFF2-40B4-BE49-F238E27FC236}">
+                <a16:creationId xmlns:a16="http://schemas.microsoft.com/office/drawing/2014/main" id="{62315E65-1365-9822-B5B1-A1AA30F90C57}"/>
+              </a:ext>
+            </a:extLst>
+          </p:cNvPr>
+          <p:cNvGrpSpPr/>
+          <p:nvPr/>
+        </p:nvGrpSpPr>
+        <p:grpSpPr>
+          <a:xfrm>
+            <a:off x="2657768" y="4897540"/>
+            <a:ext cx="319348" cy="162306"/>
+            <a:chOff x="6675120" y="1527048"/>
+            <a:chExt cx="832104" cy="422910"/>
+          </a:xfrm>
+        </p:grpSpPr>
+        <p:sp>
+          <p:nvSpPr>
+            <p:cNvPr id="90" name="Rectangle 89">
+              <a:extLst>
+                <a:ext uri="{FF2B5EF4-FFF2-40B4-BE49-F238E27FC236}">
+                  <a16:creationId xmlns:a16="http://schemas.microsoft.com/office/drawing/2014/main" id="{CC1FFFF9-257C-9596-91ED-A6EA71349B98}"/>
+                </a:ext>
+              </a:extLst>
+            </p:cNvPr>
+            <p:cNvSpPr/>
+            <p:nvPr/>
+          </p:nvSpPr>
+          <p:spPr>
+            <a:xfrm>
+              <a:off x="6675120" y="1527048"/>
+              <a:ext cx="832104" cy="422910"/>
+            </a:xfrm>
+            <a:prstGeom prst="rect">
+              <a:avLst/>
+            </a:prstGeom>
+            <a:noFill/>
+          </p:spPr>
+          <p:style>
+            <a:lnRef idx="2">
+              <a:schemeClr val="accent1">
+                <a:shade val="50000"/>
+              </a:schemeClr>
+            </a:lnRef>
+            <a:fillRef idx="1">
+              <a:schemeClr val="accent1"/>
+            </a:fillRef>
+            <a:effectRef idx="0">
+              <a:schemeClr val="accent1"/>
+            </a:effectRef>
+            <a:fontRef idx="minor">
+              <a:schemeClr val="lt1"/>
+            </a:fontRef>
+          </p:style>
+          <p:txBody>
+            <a:bodyPr rtlCol="0" anchor="ctr"/>
+            <a:lstStyle/>
+            <a:p>
+              <a:pPr algn="ctr"/>
+              <a:endParaRPr lang="es-419"/>
+            </a:p>
+          </p:txBody>
+        </p:sp>
+        <p:cxnSp>
+          <p:nvCxnSpPr>
+            <p:cNvPr id="91" name="Straight Connector 90">
+              <a:extLst>
+                <a:ext uri="{FF2B5EF4-FFF2-40B4-BE49-F238E27FC236}">
+                  <a16:creationId xmlns:a16="http://schemas.microsoft.com/office/drawing/2014/main" id="{42F9F278-EE97-3A7F-F6FB-EB6C47866A1F}"/>
+                </a:ext>
+              </a:extLst>
+            </p:cNvPr>
+            <p:cNvCxnSpPr/>
+            <p:nvPr/>
+          </p:nvCxnSpPr>
+          <p:spPr>
+            <a:xfrm>
+              <a:off x="6675120" y="1527048"/>
+              <a:ext cx="438912" cy="237744"/>
+            </a:xfrm>
+            <a:prstGeom prst="line">
+              <a:avLst/>
+            </a:prstGeom>
+          </p:spPr>
+          <p:style>
+            <a:lnRef idx="1">
+              <a:schemeClr val="accent1"/>
+            </a:lnRef>
+            <a:fillRef idx="0">
+              <a:schemeClr val="accent1"/>
+            </a:fillRef>
+            <a:effectRef idx="0">
+              <a:schemeClr val="accent1"/>
+            </a:effectRef>
+            <a:fontRef idx="minor">
+              <a:schemeClr val="tx1"/>
+            </a:fontRef>
+          </p:style>
+        </p:cxnSp>
+        <p:cxnSp>
+          <p:nvCxnSpPr>
+            <p:cNvPr id="92" name="Straight Connector 91">
+              <a:extLst>
+                <a:ext uri="{FF2B5EF4-FFF2-40B4-BE49-F238E27FC236}">
+                  <a16:creationId xmlns:a16="http://schemas.microsoft.com/office/drawing/2014/main" id="{0D160E64-FE8D-CA5D-DE17-63C94A8B9E3E}"/>
+                </a:ext>
+              </a:extLst>
+            </p:cNvPr>
+            <p:cNvCxnSpPr/>
+            <p:nvPr/>
+          </p:nvCxnSpPr>
+          <p:spPr>
+            <a:xfrm flipH="1">
+              <a:off x="7114032" y="1527048"/>
+              <a:ext cx="393192" cy="237744"/>
+            </a:xfrm>
+            <a:prstGeom prst="line">
+              <a:avLst/>
+            </a:prstGeom>
+          </p:spPr>
+          <p:style>
+            <a:lnRef idx="1">
+              <a:schemeClr val="accent1"/>
+            </a:lnRef>
+            <a:fillRef idx="0">
+              <a:schemeClr val="accent1"/>
+            </a:fillRef>
+            <a:effectRef idx="0">
+              <a:schemeClr val="accent1"/>
+            </a:effectRef>
+            <a:fontRef idx="minor">
+              <a:schemeClr val="tx1"/>
+            </a:fontRef>
+          </p:style>
+        </p:cxnSp>
+      </p:grpSp>
+      <p:sp>
+        <p:nvSpPr>
+          <p:cNvPr id="93" name="TextBox 92">
+            <a:extLst>
+              <a:ext uri="{FF2B5EF4-FFF2-40B4-BE49-F238E27FC236}">
+                <a16:creationId xmlns:a16="http://schemas.microsoft.com/office/drawing/2014/main" id="{756CD906-BA1C-826B-82BF-7309DDC20619}"/>
+              </a:ext>
+            </a:extLst>
+          </p:cNvPr>
+          <p:cNvSpPr txBox="1"/>
+          <p:nvPr/>
+        </p:nvSpPr>
+        <p:spPr>
+          <a:xfrm>
+            <a:off x="5678283" y="2948940"/>
+            <a:ext cx="1240596" cy="369332"/>
+          </a:xfrm>
+          <a:prstGeom prst="rect">
+            <a:avLst/>
+          </a:prstGeom>
+          <a:noFill/>
+        </p:spPr>
+        <p:txBody>
+          <a:bodyPr wrap="none" rtlCol="0">
+            <a:spAutoFit/>
+          </a:bodyPr>
+          <a:lstStyle/>
+          <a:p>
+            <a:r>
+              <a:rPr lang="es-419" dirty="0"/>
+              <a:t>COM+/RMI</a:t>
+            </a:r>
+          </a:p>
+        </p:txBody>
+      </p:sp>
+      <p:sp>
+        <p:nvSpPr>
+          <p:cNvPr id="94" name="TextBox 93">
+            <a:extLst>
+              <a:ext uri="{FF2B5EF4-FFF2-40B4-BE49-F238E27FC236}">
+                <a16:creationId xmlns:a16="http://schemas.microsoft.com/office/drawing/2014/main" id="{FC7AF896-1813-DC6C-5B76-7967C5769992}"/>
+              </a:ext>
+            </a:extLst>
+          </p:cNvPr>
+          <p:cNvSpPr txBox="1"/>
+          <p:nvPr/>
+        </p:nvSpPr>
+        <p:spPr>
+          <a:xfrm>
+            <a:off x="7000662" y="2948940"/>
+            <a:ext cx="691856" cy="369332"/>
+          </a:xfrm>
+          <a:prstGeom prst="rect">
+            <a:avLst/>
+          </a:prstGeom>
+          <a:noFill/>
+        </p:spPr>
+        <p:txBody>
+          <a:bodyPr wrap="none" rtlCol="0">
+            <a:spAutoFit/>
+          </a:bodyPr>
+          <a:lstStyle/>
+          <a:p>
+            <a:r>
+              <a:rPr lang="es-419" dirty="0"/>
+              <a:t>SOAP</a:t>
+            </a:r>
+          </a:p>
+        </p:txBody>
+      </p:sp>
+      <p:sp>
+        <p:nvSpPr>
+          <p:cNvPr id="95" name="TextBox 94">
+            <a:extLst>
+              <a:ext uri="{FF2B5EF4-FFF2-40B4-BE49-F238E27FC236}">
+                <a16:creationId xmlns:a16="http://schemas.microsoft.com/office/drawing/2014/main" id="{B532FD30-60A4-391D-4389-834E259171A5}"/>
+              </a:ext>
+            </a:extLst>
+          </p:cNvPr>
+          <p:cNvSpPr txBox="1"/>
+          <p:nvPr/>
+        </p:nvSpPr>
+        <p:spPr>
+          <a:xfrm>
+            <a:off x="7962771" y="2326975"/>
+            <a:ext cx="1542602" cy="369332"/>
+          </a:xfrm>
+          <a:prstGeom prst="rect">
+            <a:avLst/>
+          </a:prstGeom>
+          <a:noFill/>
+        </p:spPr>
+        <p:txBody>
+          <a:bodyPr wrap="none" rtlCol="0">
+            <a:spAutoFit/>
+          </a:bodyPr>
+          <a:lstStyle/>
+          <a:p>
+            <a:r>
+              <a:rPr lang="es-419" dirty="0"/>
+              <a:t>REST/</a:t>
+            </a:r>
+            <a:r>
+              <a:rPr lang="es-419" dirty="0" err="1"/>
+              <a:t>GraphQL</a:t>
+            </a:r>
+            <a:endParaRPr lang="es-419" dirty="0"/>
+          </a:p>
+        </p:txBody>
+      </p:sp>
+      <p:sp>
+        <p:nvSpPr>
+          <p:cNvPr id="96" name="TextBox 95">
+            <a:extLst>
+              <a:ext uri="{FF2B5EF4-FFF2-40B4-BE49-F238E27FC236}">
+                <a16:creationId xmlns:a16="http://schemas.microsoft.com/office/drawing/2014/main" id="{D754BF54-030B-07AB-7B9D-6CE9E8BDAE8B}"/>
+              </a:ext>
+            </a:extLst>
+          </p:cNvPr>
+          <p:cNvSpPr txBox="1"/>
+          <p:nvPr/>
+        </p:nvSpPr>
+        <p:spPr>
+          <a:xfrm>
+            <a:off x="9599722" y="2948940"/>
+            <a:ext cx="660758" cy="369332"/>
+          </a:xfrm>
+          <a:prstGeom prst="rect">
+            <a:avLst/>
+          </a:prstGeom>
+          <a:noFill/>
+        </p:spPr>
+        <p:txBody>
+          <a:bodyPr wrap="none" rtlCol="0">
+            <a:spAutoFit/>
+          </a:bodyPr>
+          <a:lstStyle/>
+          <a:p>
+            <a:r>
+              <a:rPr lang="es-419" dirty="0" err="1"/>
+              <a:t>gRPC</a:t>
+            </a:r>
+            <a:endParaRPr lang="es-419" dirty="0"/>
+          </a:p>
+        </p:txBody>
+      </p:sp>
+      <p:sp>
+        <p:nvSpPr>
+          <p:cNvPr id="97" name="TextBox 96">
+            <a:extLst>
+              <a:ext uri="{FF2B5EF4-FFF2-40B4-BE49-F238E27FC236}">
+                <a16:creationId xmlns:a16="http://schemas.microsoft.com/office/drawing/2014/main" id="{A41802C2-DACE-5CF6-61C5-FC78DB530904}"/>
+              </a:ext>
+            </a:extLst>
+          </p:cNvPr>
+          <p:cNvSpPr txBox="1"/>
+          <p:nvPr/>
+        </p:nvSpPr>
+        <p:spPr>
+          <a:xfrm>
+            <a:off x="10925022" y="2948940"/>
+            <a:ext cx="611386" cy="369332"/>
+          </a:xfrm>
+          <a:prstGeom prst="rect">
+            <a:avLst/>
+          </a:prstGeom>
+          <a:noFill/>
+        </p:spPr>
+        <p:txBody>
+          <a:bodyPr wrap="none" rtlCol="0">
+            <a:spAutoFit/>
+          </a:bodyPr>
+          <a:lstStyle/>
+          <a:p>
+            <a:r>
+              <a:rPr lang="es-419" dirty="0" err="1"/>
+              <a:t>Tech</a:t>
+            </a:r>
+            <a:endParaRPr lang="es-419" dirty="0"/>
+          </a:p>
+        </p:txBody>
+      </p:sp>
+      <p:sp>
+        <p:nvSpPr>
+          <p:cNvPr id="99" name="TextBox 98">
+            <a:extLst>
+              <a:ext uri="{FF2B5EF4-FFF2-40B4-BE49-F238E27FC236}">
+                <a16:creationId xmlns:a16="http://schemas.microsoft.com/office/drawing/2014/main" id="{01EFE879-D578-21C2-B9B5-6FFF2A202CAC}"/>
+              </a:ext>
+            </a:extLst>
+          </p:cNvPr>
+          <p:cNvSpPr txBox="1"/>
+          <p:nvPr/>
+        </p:nvSpPr>
+        <p:spPr>
+          <a:xfrm>
+            <a:off x="5858851" y="4060436"/>
+            <a:ext cx="1074846" cy="646331"/>
+          </a:xfrm>
+          <a:prstGeom prst="rect">
+            <a:avLst/>
+          </a:prstGeom>
+          <a:noFill/>
+        </p:spPr>
+        <p:txBody>
+          <a:bodyPr wrap="none" rtlCol="0">
+            <a:spAutoFit/>
+          </a:bodyPr>
+          <a:lstStyle/>
+          <a:p>
+            <a:r>
+              <a:rPr lang="es-419" dirty="0"/>
+              <a:t>Interface </a:t>
+            </a:r>
+          </a:p>
+          <a:p>
+            <a:r>
+              <a:rPr lang="es-419" dirty="0" err="1"/>
+              <a:t>Binary</a:t>
+            </a:r>
+            <a:endParaRPr lang="es-419" dirty="0"/>
+          </a:p>
+        </p:txBody>
+      </p:sp>
+      <p:sp>
+        <p:nvSpPr>
+          <p:cNvPr id="100" name="TextBox 99">
+            <a:extLst>
+              <a:ext uri="{FF2B5EF4-FFF2-40B4-BE49-F238E27FC236}">
+                <a16:creationId xmlns:a16="http://schemas.microsoft.com/office/drawing/2014/main" id="{4447F544-D5A4-EF68-0D28-0DA26745B926}"/>
+              </a:ext>
+            </a:extLst>
+          </p:cNvPr>
+          <p:cNvSpPr txBox="1"/>
+          <p:nvPr/>
+        </p:nvSpPr>
+        <p:spPr>
+          <a:xfrm>
+            <a:off x="7000662" y="4060436"/>
+            <a:ext cx="734945" cy="646331"/>
+          </a:xfrm>
+          <a:prstGeom prst="rect">
+            <a:avLst/>
+          </a:prstGeom>
+          <a:noFill/>
+        </p:spPr>
+        <p:txBody>
+          <a:bodyPr wrap="none" rtlCol="0">
+            <a:spAutoFit/>
+          </a:bodyPr>
+          <a:lstStyle/>
+          <a:p>
+            <a:r>
+              <a:rPr lang="es-419" dirty="0"/>
+              <a:t>WSDL</a:t>
+            </a:r>
+          </a:p>
+          <a:p>
+            <a:r>
+              <a:rPr lang="es-419" dirty="0"/>
+              <a:t>(XML)</a:t>
+            </a:r>
+          </a:p>
+        </p:txBody>
+      </p:sp>
+      <p:sp>
+        <p:nvSpPr>
+          <p:cNvPr id="101" name="TextBox 100">
+            <a:extLst>
+              <a:ext uri="{FF2B5EF4-FFF2-40B4-BE49-F238E27FC236}">
+                <a16:creationId xmlns:a16="http://schemas.microsoft.com/office/drawing/2014/main" id="{530DB662-03BA-F6A0-6BD5-922AE6318070}"/>
+              </a:ext>
+            </a:extLst>
+          </p:cNvPr>
+          <p:cNvSpPr txBox="1"/>
+          <p:nvPr/>
+        </p:nvSpPr>
+        <p:spPr>
+          <a:xfrm>
+            <a:off x="7962771" y="4060436"/>
+            <a:ext cx="1415324" cy="646331"/>
+          </a:xfrm>
+          <a:prstGeom prst="rect">
+            <a:avLst/>
+          </a:prstGeom>
+          <a:noFill/>
+        </p:spPr>
+        <p:txBody>
+          <a:bodyPr wrap="none" rtlCol="0">
+            <a:spAutoFit/>
+          </a:bodyPr>
+          <a:lstStyle/>
+          <a:p>
+            <a:r>
+              <a:rPr lang="es-419" dirty="0"/>
+              <a:t>*Open API</a:t>
+            </a:r>
+          </a:p>
+          <a:p>
+            <a:r>
+              <a:rPr lang="es-419" dirty="0"/>
+              <a:t>(YAML/JSON)</a:t>
+            </a:r>
+          </a:p>
+        </p:txBody>
+      </p:sp>
+      <p:sp>
+        <p:nvSpPr>
+          <p:cNvPr id="102" name="TextBox 101">
+            <a:extLst>
+              <a:ext uri="{FF2B5EF4-FFF2-40B4-BE49-F238E27FC236}">
+                <a16:creationId xmlns:a16="http://schemas.microsoft.com/office/drawing/2014/main" id="{8F61B557-3AC9-E7EF-B585-B615D1EB3E05}"/>
+              </a:ext>
+            </a:extLst>
+          </p:cNvPr>
+          <p:cNvSpPr txBox="1"/>
+          <p:nvPr/>
+        </p:nvSpPr>
+        <p:spPr>
+          <a:xfrm>
+            <a:off x="10925022" y="4062520"/>
+            <a:ext cx="1021946" cy="369332"/>
+          </a:xfrm>
+          <a:prstGeom prst="rect">
+            <a:avLst/>
+          </a:prstGeom>
+          <a:noFill/>
+        </p:spPr>
+        <p:txBody>
+          <a:bodyPr wrap="none" rtlCol="0">
+            <a:spAutoFit/>
+          </a:bodyPr>
+          <a:lstStyle/>
+          <a:p>
+            <a:r>
+              <a:rPr lang="es-419" dirty="0"/>
+              <a:t>Interface</a:t>
+            </a:r>
+          </a:p>
+        </p:txBody>
+      </p:sp>
+      <p:sp>
+        <p:nvSpPr>
+          <p:cNvPr id="103" name="TextBox 102">
+            <a:extLst>
+              <a:ext uri="{FF2B5EF4-FFF2-40B4-BE49-F238E27FC236}">
+                <a16:creationId xmlns:a16="http://schemas.microsoft.com/office/drawing/2014/main" id="{2C0BD4E7-D992-A91C-9ADD-08ECAF829344}"/>
+              </a:ext>
+            </a:extLst>
+          </p:cNvPr>
+          <p:cNvSpPr txBox="1"/>
+          <p:nvPr/>
+        </p:nvSpPr>
+        <p:spPr>
+          <a:xfrm>
+            <a:off x="9599722" y="4060436"/>
+            <a:ext cx="1326453" cy="646331"/>
+          </a:xfrm>
+          <a:prstGeom prst="rect">
+            <a:avLst/>
+          </a:prstGeom>
+          <a:noFill/>
+        </p:spPr>
+        <p:txBody>
+          <a:bodyPr wrap="none" rtlCol="0">
+            <a:spAutoFit/>
+          </a:bodyPr>
+          <a:lstStyle/>
+          <a:p>
+            <a:r>
+              <a:rPr lang="es-419" dirty="0"/>
+              <a:t>Proto Buffer</a:t>
+            </a:r>
+          </a:p>
+          <a:p>
+            <a:r>
+              <a:rPr lang="es-419" dirty="0"/>
+              <a:t>(Lenguaje)</a:t>
+            </a:r>
+          </a:p>
+        </p:txBody>
+      </p:sp>
+      <p:sp>
+        <p:nvSpPr>
+          <p:cNvPr id="104" name="TextBox 103">
+            <a:extLst>
+              <a:ext uri="{FF2B5EF4-FFF2-40B4-BE49-F238E27FC236}">
+                <a16:creationId xmlns:a16="http://schemas.microsoft.com/office/drawing/2014/main" id="{19414C75-506A-205C-F9A1-D6997CAB7D55}"/>
+              </a:ext>
+            </a:extLst>
+          </p:cNvPr>
+          <p:cNvSpPr txBox="1"/>
+          <p:nvPr/>
+        </p:nvSpPr>
+        <p:spPr>
+          <a:xfrm>
+            <a:off x="5858851" y="3366438"/>
+            <a:ext cx="899605" cy="646331"/>
+          </a:xfrm>
+          <a:prstGeom prst="rect">
+            <a:avLst/>
+          </a:prstGeom>
+          <a:noFill/>
+        </p:spPr>
+        <p:txBody>
+          <a:bodyPr wrap="none" rtlCol="0">
+            <a:spAutoFit/>
+          </a:bodyPr>
+          <a:lstStyle/>
+          <a:p>
+            <a:r>
+              <a:rPr lang="es-419" dirty="0" err="1"/>
+              <a:t>Binary</a:t>
+            </a:r>
+            <a:endParaRPr lang="es-419" dirty="0"/>
+          </a:p>
+          <a:p>
+            <a:r>
+              <a:rPr lang="es-419" dirty="0"/>
+              <a:t>(</a:t>
+            </a:r>
+            <a:r>
+              <a:rPr lang="es-419" dirty="0" err="1"/>
+              <a:t>adhoc</a:t>
+            </a:r>
+            <a:r>
+              <a:rPr lang="es-419" dirty="0"/>
+              <a:t>)</a:t>
+            </a:r>
+          </a:p>
+        </p:txBody>
+      </p:sp>
+      <p:sp>
+        <p:nvSpPr>
+          <p:cNvPr id="105" name="TextBox 104">
+            <a:extLst>
+              <a:ext uri="{FF2B5EF4-FFF2-40B4-BE49-F238E27FC236}">
+                <a16:creationId xmlns:a16="http://schemas.microsoft.com/office/drawing/2014/main" id="{76509207-8C9B-5883-57D4-B7B72C4ED5BD}"/>
+              </a:ext>
+            </a:extLst>
+          </p:cNvPr>
+          <p:cNvSpPr txBox="1"/>
+          <p:nvPr/>
+        </p:nvSpPr>
+        <p:spPr>
+          <a:xfrm>
+            <a:off x="10925022" y="3629525"/>
+            <a:ext cx="1009892" cy="369332"/>
+          </a:xfrm>
+          <a:prstGeom prst="rect">
+            <a:avLst/>
+          </a:prstGeom>
+          <a:noFill/>
+        </p:spPr>
+        <p:txBody>
+          <a:bodyPr wrap="none" rtlCol="0">
+            <a:spAutoFit/>
+          </a:bodyPr>
+          <a:lstStyle/>
+          <a:p>
+            <a:r>
+              <a:rPr lang="es-419" dirty="0" err="1"/>
+              <a:t>Message</a:t>
+            </a:r>
+            <a:endParaRPr lang="es-419" dirty="0"/>
+          </a:p>
+        </p:txBody>
+      </p:sp>
+      <p:sp>
+        <p:nvSpPr>
+          <p:cNvPr id="106" name="TextBox 105">
+            <a:extLst>
+              <a:ext uri="{FF2B5EF4-FFF2-40B4-BE49-F238E27FC236}">
+                <a16:creationId xmlns:a16="http://schemas.microsoft.com/office/drawing/2014/main" id="{ECF9E2D1-1704-FA06-5932-EC94AB0F8738}"/>
+              </a:ext>
+            </a:extLst>
+          </p:cNvPr>
+          <p:cNvSpPr txBox="1"/>
+          <p:nvPr/>
+        </p:nvSpPr>
+        <p:spPr>
+          <a:xfrm>
+            <a:off x="7000662" y="3482371"/>
+            <a:ext cx="599844" cy="369332"/>
+          </a:xfrm>
+          <a:prstGeom prst="rect">
+            <a:avLst/>
+          </a:prstGeom>
+          <a:noFill/>
+        </p:spPr>
+        <p:txBody>
+          <a:bodyPr wrap="none" rtlCol="0">
+            <a:spAutoFit/>
+          </a:bodyPr>
+          <a:lstStyle/>
+          <a:p>
+            <a:r>
+              <a:rPr lang="es-419" dirty="0"/>
+              <a:t>XML</a:t>
+            </a:r>
+          </a:p>
+        </p:txBody>
+      </p:sp>
+      <p:sp>
+        <p:nvSpPr>
+          <p:cNvPr id="107" name="TextBox 106">
+            <a:extLst>
+              <a:ext uri="{FF2B5EF4-FFF2-40B4-BE49-F238E27FC236}">
+                <a16:creationId xmlns:a16="http://schemas.microsoft.com/office/drawing/2014/main" id="{72E32C3A-0F57-878E-074F-43C379E23E9D}"/>
+              </a:ext>
+            </a:extLst>
+          </p:cNvPr>
+          <p:cNvSpPr txBox="1"/>
+          <p:nvPr/>
+        </p:nvSpPr>
+        <p:spPr>
+          <a:xfrm>
+            <a:off x="7980885" y="3388459"/>
+            <a:ext cx="1549463" cy="646331"/>
+          </a:xfrm>
+          <a:prstGeom prst="rect">
+            <a:avLst/>
+          </a:prstGeom>
+          <a:noFill/>
+        </p:spPr>
+        <p:txBody>
+          <a:bodyPr wrap="none" rtlCol="0">
+            <a:spAutoFit/>
+          </a:bodyPr>
+          <a:lstStyle/>
+          <a:p>
+            <a:r>
+              <a:rPr lang="es-419" dirty="0"/>
+              <a:t>JSON/XML</a:t>
+            </a:r>
+          </a:p>
+          <a:p>
+            <a:r>
+              <a:rPr lang="es-419" dirty="0"/>
+              <a:t>TEXT/CUSTOM</a:t>
+            </a:r>
+          </a:p>
+        </p:txBody>
+      </p:sp>
+      <p:sp>
+        <p:nvSpPr>
+          <p:cNvPr id="108" name="TextBox 107">
+            <a:extLst>
+              <a:ext uri="{FF2B5EF4-FFF2-40B4-BE49-F238E27FC236}">
+                <a16:creationId xmlns:a16="http://schemas.microsoft.com/office/drawing/2014/main" id="{144D4F2B-9EC7-471E-AB01-261F0FF2521C}"/>
+              </a:ext>
+            </a:extLst>
+          </p:cNvPr>
+          <p:cNvSpPr txBox="1"/>
+          <p:nvPr/>
+        </p:nvSpPr>
+        <p:spPr>
+          <a:xfrm>
+            <a:off x="9599722" y="3401838"/>
+            <a:ext cx="1037463" cy="646331"/>
+          </a:xfrm>
+          <a:prstGeom prst="rect">
+            <a:avLst/>
+          </a:prstGeom>
+          <a:noFill/>
+        </p:spPr>
+        <p:txBody>
+          <a:bodyPr wrap="none" rtlCol="0">
+            <a:spAutoFit/>
+          </a:bodyPr>
+          <a:lstStyle/>
+          <a:p>
+            <a:r>
+              <a:rPr lang="es-419" dirty="0" err="1"/>
+              <a:t>Binary</a:t>
+            </a:r>
+            <a:endParaRPr lang="es-419" dirty="0"/>
+          </a:p>
+          <a:p>
+            <a:r>
+              <a:rPr lang="es-419" dirty="0"/>
+              <a:t>(**JSON)</a:t>
+            </a:r>
+          </a:p>
+        </p:txBody>
+      </p:sp>
+      <p:sp>
+        <p:nvSpPr>
+          <p:cNvPr id="109" name="TextBox 108">
+            <a:extLst>
+              <a:ext uri="{FF2B5EF4-FFF2-40B4-BE49-F238E27FC236}">
+                <a16:creationId xmlns:a16="http://schemas.microsoft.com/office/drawing/2014/main" id="{0AF5D99A-1C79-AE3C-D820-E46829F0971B}"/>
+              </a:ext>
+            </a:extLst>
+          </p:cNvPr>
+          <p:cNvSpPr txBox="1"/>
+          <p:nvPr/>
+        </p:nvSpPr>
+        <p:spPr>
+          <a:xfrm>
+            <a:off x="10198413" y="2322576"/>
+            <a:ext cx="1835502" cy="369332"/>
+          </a:xfrm>
+          <a:prstGeom prst="rect">
+            <a:avLst/>
+          </a:prstGeom>
+          <a:noFill/>
+        </p:spPr>
+        <p:txBody>
+          <a:bodyPr wrap="none" rtlCol="0">
+            <a:spAutoFit/>
+          </a:bodyPr>
+          <a:lstStyle/>
+          <a:p>
+            <a:r>
+              <a:rPr lang="es-419" dirty="0" err="1"/>
+              <a:t>Architecture</a:t>
+            </a:r>
+            <a:r>
+              <a:rPr lang="es-419" dirty="0"/>
+              <a:t> </a:t>
+            </a:r>
+            <a:r>
+              <a:rPr lang="es-419" dirty="0" err="1"/>
+              <a:t>style</a:t>
+            </a:r>
+            <a:endParaRPr lang="es-419" dirty="0"/>
+          </a:p>
+        </p:txBody>
+      </p:sp>
+      <p:sp>
+        <p:nvSpPr>
+          <p:cNvPr id="110" name="TextBox 109">
+            <a:extLst>
+              <a:ext uri="{FF2B5EF4-FFF2-40B4-BE49-F238E27FC236}">
+                <a16:creationId xmlns:a16="http://schemas.microsoft.com/office/drawing/2014/main" id="{94D0A244-8FDC-A996-95AA-A0A1A8E3AB9B}"/>
+              </a:ext>
+            </a:extLst>
+          </p:cNvPr>
+          <p:cNvSpPr txBox="1"/>
+          <p:nvPr/>
+        </p:nvSpPr>
+        <p:spPr>
+          <a:xfrm>
+            <a:off x="7962771" y="2898789"/>
+            <a:ext cx="960328" cy="369332"/>
+          </a:xfrm>
+          <a:prstGeom prst="rect">
+            <a:avLst/>
+          </a:prstGeom>
+          <a:noFill/>
+        </p:spPr>
+        <p:txBody>
+          <a:bodyPr wrap="none" rtlCol="0">
+            <a:spAutoFit/>
+          </a:bodyPr>
+          <a:lstStyle/>
+          <a:p>
+            <a:r>
+              <a:rPr lang="es-419" dirty="0"/>
+              <a:t>http/</a:t>
+            </a:r>
+            <a:r>
+              <a:rPr lang="es-419" dirty="0" err="1"/>
+              <a:t>tcp</a:t>
+            </a:r>
+            <a:endParaRPr lang="es-419" dirty="0"/>
+          </a:p>
+        </p:txBody>
+      </p:sp>
+      <p:sp>
+        <p:nvSpPr>
+          <p:cNvPr id="111" name="TextBox 110">
+            <a:extLst>
+              <a:ext uri="{FF2B5EF4-FFF2-40B4-BE49-F238E27FC236}">
+                <a16:creationId xmlns:a16="http://schemas.microsoft.com/office/drawing/2014/main" id="{6CED082D-5FCA-EC3F-00C7-BEA941BFE147}"/>
+              </a:ext>
+            </a:extLst>
+          </p:cNvPr>
+          <p:cNvSpPr txBox="1"/>
+          <p:nvPr/>
+        </p:nvSpPr>
+        <p:spPr>
+          <a:xfrm>
+            <a:off x="3671210" y="5634922"/>
+            <a:ext cx="2021259" cy="923330"/>
+          </a:xfrm>
+          <a:prstGeom prst="rect">
+            <a:avLst/>
+          </a:prstGeom>
+          <a:noFill/>
+        </p:spPr>
+        <p:txBody>
+          <a:bodyPr wrap="none" rtlCol="0">
+            <a:spAutoFit/>
+          </a:bodyPr>
+          <a:lstStyle/>
+          <a:p>
+            <a:r>
+              <a:rPr lang="es-419" dirty="0"/>
+              <a:t>SQL (Define) – ANSI</a:t>
+            </a:r>
+          </a:p>
+          <a:p>
+            <a:r>
+              <a:rPr lang="es-419" dirty="0"/>
+              <a:t>T-SQL (Microsoft)</a:t>
+            </a:r>
+          </a:p>
+          <a:p>
+            <a:r>
+              <a:rPr lang="es-419" dirty="0"/>
+              <a:t>PL/SQL (Oracle)</a:t>
+            </a:r>
+          </a:p>
+        </p:txBody>
+      </p:sp>
+    </p:spTree>
+    <p:extLst>
+      <p:ext uri="{BB962C8B-B14F-4D97-AF65-F5344CB8AC3E}">
+        <p14:creationId xmlns:p14="http://schemas.microsoft.com/office/powerpoint/2010/main" val="3946991415"/>
       </p:ext>
     </p:extLst>
   </p:cSld>
